--- a/apresentações/Apresentação3.pptx
+++ b/apresentações/Apresentação3.pptx
@@ -5,14 +5,16 @@
     <p:sldMasterId id="2147484029" r:id="rId1"/>
   </p:sldMasterIdLst>
   <p:notesMasterIdLst>
-    <p:notesMasterId r:id="rId7"/>
+    <p:notesMasterId r:id="rId9"/>
   </p:notesMasterIdLst>
   <p:sldIdLst>
     <p:sldId id="256" r:id="rId2"/>
     <p:sldId id="258" r:id="rId3"/>
-    <p:sldId id="268" r:id="rId4"/>
-    <p:sldId id="259" r:id="rId5"/>
-    <p:sldId id="267" r:id="rId6"/>
+    <p:sldId id="269" r:id="rId4"/>
+    <p:sldId id="271" r:id="rId5"/>
+    <p:sldId id="268" r:id="rId6"/>
+    <p:sldId id="272" r:id="rId7"/>
+    <p:sldId id="267" r:id="rId8"/>
   </p:sldIdLst>
   <p:sldSz cx="12192000" cy="6858000"/>
   <p:notesSz cx="6858000" cy="9144000"/>
@@ -2018,7 +2020,7 @@
           <a:p>
             <a:fld id="{B5EB6763-F36A-4840-BDBA-0C64361552CB}" type="slidenum">
               <a:rPr lang="pt-PT" smtClean="0"/>
-              <a:t>5</a:t>
+              <a:t>7</a:t>
             </a:fld>
             <a:endParaRPr lang="pt-PT"/>
           </a:p>
@@ -7018,7 +7020,7 @@
                 <a16:creationId xmlns:a16="http://schemas.microsoft.com/office/drawing/2014/main" id="{5DCB5928-DC7D-4612-9922-441966E15627}"/>
               </a:ext>
               <a:ext uri="{C183D7F6-B498-43B3-948B-1728B52AA6E4}">
-                <adec:decorative xmlns:adec="http://schemas.microsoft.com/office/drawing/2017/decorative" val="1"/>
+                <adec:decorative xmlns:adec="http://schemas.microsoft.com/office/drawing/2017/decorative" xmlns="" val="1"/>
               </a:ext>
             </a:extLst>
           </p:cNvPr>
@@ -7114,7 +7116,7 @@
                 <a16:creationId xmlns:a16="http://schemas.microsoft.com/office/drawing/2014/main" id="{682C1161-1736-45EC-99B7-33F3CAE9D517}"/>
               </a:ext>
               <a:ext uri="{C183D7F6-B498-43B3-948B-1728B52AA6E4}">
-                <adec:decorative xmlns:adec="http://schemas.microsoft.com/office/drawing/2017/decorative" val="1"/>
+                <adec:decorative xmlns:adec="http://schemas.microsoft.com/office/drawing/2017/decorative" xmlns="" val="1"/>
               </a:ext>
             </a:extLst>
           </p:cNvPr>
@@ -7289,7 +7291,7 @@
                 <a16:creationId xmlns:a16="http://schemas.microsoft.com/office/drawing/2014/main" id="{84D4DDB8-B68F-45B0-9F62-C4279996F672}"/>
               </a:ext>
               <a:ext uri="{C183D7F6-B498-43B3-948B-1728B52AA6E4}">
-                <adec:decorative xmlns:adec="http://schemas.microsoft.com/office/drawing/2017/decorative" val="1"/>
+                <adec:decorative xmlns:adec="http://schemas.microsoft.com/office/drawing/2017/decorative" xmlns="" val="1"/>
               </a:ext>
             </a:extLst>
           </p:cNvPr>
@@ -7488,7 +7490,7 @@
                 <a16:creationId xmlns:a16="http://schemas.microsoft.com/office/drawing/2014/main" id="{AF2F604E-43BE-4DC3-B983-E071523364F8}"/>
               </a:ext>
               <a:ext uri="{C183D7F6-B498-43B3-948B-1728B52AA6E4}">
-                <adec:decorative xmlns:adec="http://schemas.microsoft.com/office/drawing/2017/decorative" val="1"/>
+                <adec:decorative xmlns:adec="http://schemas.microsoft.com/office/drawing/2017/decorative" xmlns="" val="1"/>
               </a:ext>
             </a:extLst>
           </p:cNvPr>
@@ -7580,7 +7582,7 @@
                 <a16:creationId xmlns:a16="http://schemas.microsoft.com/office/drawing/2014/main" id="{08C9B587-E65E-4B52-B37C-ABEBB6E87928}"/>
               </a:ext>
               <a:ext uri="{C183D7F6-B498-43B3-948B-1728B52AA6E4}">
-                <adec:decorative xmlns:adec="http://schemas.microsoft.com/office/drawing/2017/decorative" val="1"/>
+                <adec:decorative xmlns:adec="http://schemas.microsoft.com/office/drawing/2017/decorative" xmlns="" val="1"/>
               </a:ext>
             </a:extLst>
           </p:cNvPr>
@@ -7746,7 +7748,7 @@
                 <a16:creationId xmlns:a16="http://schemas.microsoft.com/office/drawing/2014/main" id="{8D06CE56-3881-4ADA-8CEF-D18B02C242A3}"/>
               </a:ext>
               <a:ext uri="{C183D7F6-B498-43B3-948B-1728B52AA6E4}">
-                <adec:decorative xmlns:adec="http://schemas.microsoft.com/office/drawing/2017/decorative" val="1"/>
+                <adec:decorative xmlns:adec="http://schemas.microsoft.com/office/drawing/2017/decorative" xmlns="" val="1"/>
               </a:ext>
             </a:extLst>
           </p:cNvPr>
@@ -7838,7 +7840,7 @@
                 <a16:creationId xmlns:a16="http://schemas.microsoft.com/office/drawing/2014/main" id="{79F3C543-62EC-4433-9C93-A2CD8764E9B4}"/>
               </a:ext>
               <a:ext uri="{C183D7F6-B498-43B3-948B-1728B52AA6E4}">
-                <adec:decorative xmlns:adec="http://schemas.microsoft.com/office/drawing/2017/decorative" val="1"/>
+                <adec:decorative xmlns:adec="http://schemas.microsoft.com/office/drawing/2017/decorative" xmlns="" val="1"/>
               </a:ext>
             </a:extLst>
           </p:cNvPr>
@@ -7934,7 +7936,7 @@
                 <a16:creationId xmlns:a16="http://schemas.microsoft.com/office/drawing/2014/main" id="{5A59F003-E00A-43F9-91DC-CC54E3B87466}"/>
               </a:ext>
               <a:ext uri="{C183D7F6-B498-43B3-948B-1728B52AA6E4}">
-                <adec:decorative xmlns:adec="http://schemas.microsoft.com/office/drawing/2017/decorative" val="1"/>
+                <adec:decorative xmlns:adec="http://schemas.microsoft.com/office/drawing/2017/decorative" xmlns="" val="1"/>
               </a:ext>
             </a:extLst>
           </p:cNvPr>
@@ -8041,7 +8043,7 @@
                 <a16:creationId xmlns:a16="http://schemas.microsoft.com/office/drawing/2014/main" id="{D74A4382-E3AD-430A-9A1F-DFA3E0E77A7D}"/>
               </a:ext>
               <a:ext uri="{C183D7F6-B498-43B3-948B-1728B52AA6E4}">
-                <adec:decorative xmlns:adec="http://schemas.microsoft.com/office/drawing/2017/decorative" val="1"/>
+                <adec:decorative xmlns:adec="http://schemas.microsoft.com/office/drawing/2017/decorative" xmlns="" val="1"/>
               </a:ext>
             </a:extLst>
           </p:cNvPr>
@@ -8327,6 +8329,247 @@
 <file path=ppt/slides/slide3.xml><?xml version="1.0" encoding="utf-8"?>
 <p:sld xmlns:a="http://schemas.openxmlformats.org/drawingml/2006/main" xmlns:r="http://schemas.openxmlformats.org/officeDocument/2006/relationships" xmlns:p="http://schemas.openxmlformats.org/presentationml/2006/main">
   <p:cSld>
+    <p:spTree>
+      <p:nvGrpSpPr>
+        <p:cNvPr id="1" name=""/>
+        <p:cNvGrpSpPr/>
+        <p:nvPr/>
+      </p:nvGrpSpPr>
+      <p:grpSpPr>
+        <a:xfrm>
+          <a:off x="0" y="0"/>
+          <a:ext cx="0" cy="0"/>
+          <a:chOff x="0" y="0"/>
+          <a:chExt cx="0" cy="0"/>
+        </a:xfrm>
+      </p:grpSpPr>
+      <p:sp>
+        <p:nvSpPr>
+          <p:cNvPr id="2" name="Título 1"/>
+          <p:cNvSpPr>
+            <a:spLocks noGrp="1"/>
+          </p:cNvSpPr>
+          <p:nvPr>
+            <p:ph type="title"/>
+          </p:nvPr>
+        </p:nvSpPr>
+        <p:spPr/>
+        <p:txBody>
+          <a:bodyPr/>
+          <a:lstStyle/>
+          <a:p>
+            <a:r>
+              <a:rPr lang="pt-PT" dirty="0" smtClean="0"/>
+              <a:t>Qualidades</a:t>
+            </a:r>
+            <a:endParaRPr lang="pt-PT" dirty="0"/>
+          </a:p>
+        </p:txBody>
+      </p:sp>
+      <p:sp>
+        <p:nvSpPr>
+          <p:cNvPr id="3" name="Marcador de Posição de Conteúdo 2"/>
+          <p:cNvSpPr>
+            <a:spLocks noGrp="1"/>
+          </p:cNvSpPr>
+          <p:nvPr>
+            <p:ph idx="1"/>
+          </p:nvPr>
+        </p:nvSpPr>
+        <p:spPr/>
+        <p:txBody>
+          <a:bodyPr/>
+          <a:lstStyle/>
+          <a:p>
+            <a:r>
+              <a:rPr lang="pt-PT" dirty="0" smtClean="0"/>
+              <a:t>Acessibilidade através de qualquer plataforma via Browser, sem a necessidade de instalação.</a:t>
+            </a:r>
+          </a:p>
+          <a:p>
+            <a:r>
+              <a:rPr lang="pt-PT" dirty="0"/>
+              <a:t>C</a:t>
+            </a:r>
+            <a:r>
+              <a:rPr lang="pt-PT" dirty="0" smtClean="0"/>
+              <a:t>omunicação rápida e eficaz entre o staff e o cliente.</a:t>
+            </a:r>
+          </a:p>
+          <a:p>
+            <a:r>
+              <a:rPr lang="pt-PT" dirty="0" smtClean="0"/>
+              <a:t>Acesso do utilizador aos seus dados e notificações correspondentes.</a:t>
+            </a:r>
+          </a:p>
+          <a:p>
+            <a:r>
+              <a:rPr lang="pt-PT" dirty="0"/>
+              <a:t>Suporte de vários métodos de pagamento</a:t>
+            </a:r>
+            <a:r>
+              <a:rPr lang="pt-PT" dirty="0" smtClean="0"/>
+              <a:t>.</a:t>
+            </a:r>
+            <a:endParaRPr lang="pt-PT" dirty="0"/>
+          </a:p>
+        </p:txBody>
+      </p:sp>
+      <p:sp>
+        <p:nvSpPr>
+          <p:cNvPr id="4" name="Marcador de Posição do Número do Diapositivo 3"/>
+          <p:cNvSpPr>
+            <a:spLocks noGrp="1"/>
+          </p:cNvSpPr>
+          <p:nvPr>
+            <p:ph type="sldNum" sz="quarter" idx="12"/>
+          </p:nvPr>
+        </p:nvSpPr>
+        <p:spPr/>
+        <p:txBody>
+          <a:bodyPr/>
+          <a:lstStyle/>
+          <a:p>
+            <a:fld id="{B2DC25EE-239B-4C5F-AAD1-255A7D5F1EE2}" type="slidenum">
+              <a:rPr lang="en-US" smtClean="0"/>
+              <a:t>3</a:t>
+            </a:fld>
+            <a:endParaRPr lang="en-US"/>
+          </a:p>
+        </p:txBody>
+      </p:sp>
+    </p:spTree>
+    <p:extLst>
+      <p:ext uri="{BB962C8B-B14F-4D97-AF65-F5344CB8AC3E}">
+        <p14:creationId xmlns:p14="http://schemas.microsoft.com/office/powerpoint/2010/main" val="3751706103"/>
+      </p:ext>
+    </p:extLst>
+  </p:cSld>
+  <p:clrMapOvr>
+    <a:masterClrMapping/>
+  </p:clrMapOvr>
+</p:sld>
+</file>
+
+<file path=ppt/slides/slide4.xml><?xml version="1.0" encoding="utf-8"?>
+<p:sld xmlns:a="http://schemas.openxmlformats.org/drawingml/2006/main" xmlns:r="http://schemas.openxmlformats.org/officeDocument/2006/relationships" xmlns:p="http://schemas.openxmlformats.org/presentationml/2006/main">
+  <p:cSld>
+    <p:spTree>
+      <p:nvGrpSpPr>
+        <p:cNvPr id="1" name=""/>
+        <p:cNvGrpSpPr/>
+        <p:nvPr/>
+      </p:nvGrpSpPr>
+      <p:grpSpPr>
+        <a:xfrm>
+          <a:off x="0" y="0"/>
+          <a:ext cx="0" cy="0"/>
+          <a:chOff x="0" y="0"/>
+          <a:chExt cx="0" cy="0"/>
+        </a:xfrm>
+      </p:grpSpPr>
+      <p:sp>
+        <p:nvSpPr>
+          <p:cNvPr id="2" name="Título 1"/>
+          <p:cNvSpPr>
+            <a:spLocks noGrp="1"/>
+          </p:cNvSpPr>
+          <p:nvPr>
+            <p:ph type="title"/>
+          </p:nvPr>
+        </p:nvSpPr>
+        <p:spPr/>
+        <p:txBody>
+          <a:bodyPr/>
+          <a:lstStyle/>
+          <a:p>
+            <a:r>
+              <a:rPr lang="pt-PT" dirty="0" smtClean="0"/>
+              <a:t>Restrições</a:t>
+            </a:r>
+            <a:endParaRPr lang="pt-PT" dirty="0"/>
+          </a:p>
+        </p:txBody>
+      </p:sp>
+      <p:sp>
+        <p:nvSpPr>
+          <p:cNvPr id="3" name="Marcador de Posição de Conteúdo 2"/>
+          <p:cNvSpPr>
+            <a:spLocks noGrp="1"/>
+          </p:cNvSpPr>
+          <p:nvPr>
+            <p:ph idx="1"/>
+          </p:nvPr>
+        </p:nvSpPr>
+        <p:spPr/>
+        <p:txBody>
+          <a:bodyPr/>
+          <a:lstStyle/>
+          <a:p>
+            <a:r>
+              <a:rPr lang="pt-PT" dirty="0" smtClean="0"/>
+              <a:t>Suporte de várias sessões de utilizadores em simultâneo sem afetar negativamente o desempenho.</a:t>
+            </a:r>
+          </a:p>
+          <a:p>
+            <a:r>
+              <a:rPr lang="pt-PT" dirty="0" smtClean="0"/>
+              <a:t>Armazenamento seguro e disponibilização dos dados dos utilizadores.</a:t>
+            </a:r>
+          </a:p>
+          <a:p>
+            <a:r>
+              <a:rPr lang="pt-PT" dirty="0" smtClean="0"/>
+              <a:t>Compatibilidade com diversos tamanhos de ecrã.</a:t>
+            </a:r>
+          </a:p>
+          <a:p>
+            <a:r>
+              <a:rPr lang="pt-PT" dirty="0" smtClean="0"/>
+              <a:t>Adaptação a diferentes tipos de utilizador e interatividade com estes.</a:t>
+            </a:r>
+          </a:p>
+        </p:txBody>
+      </p:sp>
+      <p:sp>
+        <p:nvSpPr>
+          <p:cNvPr id="4" name="Marcador de Posição do Número do Diapositivo 3"/>
+          <p:cNvSpPr>
+            <a:spLocks noGrp="1"/>
+          </p:cNvSpPr>
+          <p:nvPr>
+            <p:ph type="sldNum" sz="quarter" idx="12"/>
+          </p:nvPr>
+        </p:nvSpPr>
+        <p:spPr/>
+        <p:txBody>
+          <a:bodyPr/>
+          <a:lstStyle/>
+          <a:p>
+            <a:fld id="{B2DC25EE-239B-4C5F-AAD1-255A7D5F1EE2}" type="slidenum">
+              <a:rPr lang="en-US" smtClean="0"/>
+              <a:t>4</a:t>
+            </a:fld>
+            <a:endParaRPr lang="en-US"/>
+          </a:p>
+        </p:txBody>
+      </p:sp>
+    </p:spTree>
+    <p:extLst>
+      <p:ext uri="{BB962C8B-B14F-4D97-AF65-F5344CB8AC3E}">
+        <p14:creationId xmlns:p14="http://schemas.microsoft.com/office/powerpoint/2010/main" val="3081916616"/>
+      </p:ext>
+    </p:extLst>
+  </p:cSld>
+  <p:clrMapOvr>
+    <a:masterClrMapping/>
+  </p:clrMapOvr>
+</p:sld>
+</file>
+
+<file path=ppt/slides/slide5.xml><?xml version="1.0" encoding="utf-8"?>
+<p:sld xmlns:a="http://schemas.openxmlformats.org/drawingml/2006/main" xmlns:r="http://schemas.openxmlformats.org/officeDocument/2006/relationships" xmlns:p="http://schemas.openxmlformats.org/presentationml/2006/main">
+  <p:cSld>
     <p:bg>
       <p:bgPr>
         <a:solidFill>
@@ -8357,7 +8600,7 @@
                 <a16:creationId xmlns:a16="http://schemas.microsoft.com/office/drawing/2014/main" id="{139AB947-785D-482B-A71B-C1C825A20DC4}"/>
               </a:ext>
               <a:ext uri="{C183D7F6-B498-43B3-948B-1728B52AA6E4}">
-                <adec:decorative xmlns:adec="http://schemas.microsoft.com/office/drawing/2017/decorative" val="1"/>
+                <adec:decorative xmlns:adec="http://schemas.microsoft.com/office/drawing/2017/decorative" xmlns="" val="1"/>
               </a:ext>
             </a:extLst>
           </p:cNvPr>
@@ -8417,7 +8660,7 @@
                 <a16:creationId xmlns:a16="http://schemas.microsoft.com/office/drawing/2014/main" id="{468A839C-B241-4F23-9A1D-CBCAFE6F5068}"/>
               </a:ext>
               <a:ext uri="{C183D7F6-B498-43B3-948B-1728B52AA6E4}">
-                <adec:decorative xmlns:adec="http://schemas.microsoft.com/office/drawing/2017/decorative" val="1"/>
+                <adec:decorative xmlns:adec="http://schemas.microsoft.com/office/drawing/2017/decorative" xmlns="" val="1"/>
               </a:ext>
             </a:extLst>
           </p:cNvPr>
@@ -8592,7 +8835,7 @@
                 <a16:creationId xmlns:a16="http://schemas.microsoft.com/office/drawing/2014/main" id="{AF68CAD5-0452-48EC-94D8-91ED8F5EB7D8}"/>
               </a:ext>
               <a:ext uri="{C183D7F6-B498-43B3-948B-1728B52AA6E4}">
-                <adec:decorative xmlns:adec="http://schemas.microsoft.com/office/drawing/2017/decorative" val="1"/>
+                <adec:decorative xmlns:adec="http://schemas.microsoft.com/office/drawing/2017/decorative" xmlns="" val="1"/>
               </a:ext>
             </a:extLst>
           </p:cNvPr>
@@ -8776,9 +9019,14 @@
           <a:lstStyle/>
           <a:p>
             <a:r>
-              <a:rPr lang="pt-PT" sz="3400"/>
-              <a:t>Recursos Utilizados</a:t>
+              <a:rPr lang="pt-PT" sz="3400" dirty="0" smtClean="0"/>
+              <a:t>Framework</a:t>
             </a:r>
+            <a:r>
+              <a:rPr lang="pt-PT" sz="3400" dirty="0" smtClean="0"/>
+              <a:t> Utilizadas</a:t>
+            </a:r>
+            <a:endParaRPr lang="pt-PT" sz="3400" dirty="0"/>
           </a:p>
         </p:txBody>
       </p:sp>
@@ -8790,7 +9038,7 @@
                 <a16:creationId xmlns:a16="http://schemas.microsoft.com/office/drawing/2014/main" id="{F89F292F-513F-4E95-9E51-6B736F17BDDD}"/>
               </a:ext>
               <a:ext uri="{C183D7F6-B498-43B3-948B-1728B52AA6E4}">
-                <adec:decorative xmlns:adec="http://schemas.microsoft.com/office/drawing/2017/decorative" val="1"/>
+                <adec:decorative xmlns:adec="http://schemas.microsoft.com/office/drawing/2017/decorative" xmlns="" val="1"/>
               </a:ext>
             </a:extLst>
           </p:cNvPr>
@@ -8882,7 +9130,7 @@
                 <a16:creationId xmlns:a16="http://schemas.microsoft.com/office/drawing/2014/main" id="{13A52E0E-6908-496E-BB67-DDBF1EEC3B7B}"/>
               </a:ext>
               <a:ext uri="{C183D7F6-B498-43B3-948B-1728B52AA6E4}">
-                <adec:decorative xmlns:adec="http://schemas.microsoft.com/office/drawing/2017/decorative" val="1"/>
+                <adec:decorative xmlns:adec="http://schemas.microsoft.com/office/drawing/2017/decorative" xmlns="" val="1"/>
               </a:ext>
             </a:extLst>
           </p:cNvPr>
@@ -8999,24 +9247,25 @@
           <a:lstStyle/>
           <a:p>
             <a:r>
-              <a:rPr lang="pt-PT" sz="1800"/>
+              <a:rPr lang="pt-PT" sz="1800" dirty="0"/>
               <a:t>HTML 5</a:t>
             </a:r>
           </a:p>
           <a:p>
             <a:r>
-              <a:rPr lang="pt-PT" sz="1800"/>
+              <a:rPr lang="pt-PT" sz="1800" dirty="0"/>
               <a:t>CSS 3</a:t>
             </a:r>
           </a:p>
           <a:p>
             <a:r>
-              <a:rPr lang="pt-PT" sz="1800"/>
+              <a:rPr lang="pt-PT" sz="1800" dirty="0" err="1"/>
               <a:t>JavaScript</a:t>
             </a:r>
-          </a:p>
-          <a:p>
-            <a:endParaRPr lang="pt-PT" sz="1800"/>
+            <a:endParaRPr lang="pt-PT" sz="1800" dirty="0"/>
+          </a:p>
+          <a:p>
+            <a:endParaRPr lang="pt-PT" sz="1800" dirty="0"/>
           </a:p>
         </p:txBody>
       </p:sp>
@@ -9035,7 +9284,7 @@
           <p:nvPr/>
         </p:nvPicPr>
         <p:blipFill>
-          <a:blip r:embed="rId2">
+          <a:blip r:embed="rId2" cstate="hqprint">
             <a:extLst>
               <a:ext uri="{28A0092B-C50C-407E-A947-70E740481C1C}">
                 <a14:useLocalDpi xmlns:a14="http://schemas.microsoft.com/office/drawing/2010/main" val="0"/>
@@ -9107,7 +9356,7 @@
           <p:nvPr/>
         </p:nvPicPr>
         <p:blipFill>
-          <a:blip r:embed="rId4">
+          <a:blip r:embed="rId4" cstate="hqprint">
             <a:extLst>
               <a:ext uri="{28A0092B-C50C-407E-A947-70E740481C1C}">
                 <a14:useLocalDpi xmlns:a14="http://schemas.microsoft.com/office/drawing/2010/main" val="0"/>
@@ -9168,7 +9417,7 @@
                   <a:spcPts val="600"/>
                 </a:spcAft>
               </a:pPr>
-              <a:t>3</a:t>
+              <a:t>5</a:t>
             </a:fld>
             <a:endParaRPr lang="en-US"/>
           </a:p>
@@ -9190,7 +9439,102 @@
 </p:sld>
 </file>
 
-<file path=ppt/slides/slide4.xml><?xml version="1.0" encoding="utf-8"?>
+<file path=ppt/slides/slide6.xml><?xml version="1.0" encoding="utf-8"?>
+<p:sld xmlns:a="http://schemas.openxmlformats.org/drawingml/2006/main" xmlns:r="http://schemas.openxmlformats.org/officeDocument/2006/relationships" xmlns:p="http://schemas.openxmlformats.org/presentationml/2006/main">
+  <p:cSld>
+    <p:spTree>
+      <p:nvGrpSpPr>
+        <p:cNvPr id="1" name=""/>
+        <p:cNvGrpSpPr/>
+        <p:nvPr/>
+      </p:nvGrpSpPr>
+      <p:grpSpPr>
+        <a:xfrm>
+          <a:off x="0" y="0"/>
+          <a:ext cx="0" cy="0"/>
+          <a:chOff x="0" y="0"/>
+          <a:chExt cx="0" cy="0"/>
+        </a:xfrm>
+      </p:grpSpPr>
+      <p:sp>
+        <p:nvSpPr>
+          <p:cNvPr id="2" name="Título 1"/>
+          <p:cNvSpPr>
+            <a:spLocks noGrp="1"/>
+          </p:cNvSpPr>
+          <p:nvPr>
+            <p:ph type="title"/>
+          </p:nvPr>
+        </p:nvSpPr>
+        <p:spPr/>
+        <p:txBody>
+          <a:bodyPr/>
+          <a:lstStyle/>
+          <a:p>
+            <a:r>
+              <a:rPr lang="pt-PT" dirty="0" smtClean="0"/>
+              <a:t>Progresso na implementação</a:t>
+            </a:r>
+            <a:endParaRPr lang="pt-PT" dirty="0"/>
+          </a:p>
+        </p:txBody>
+      </p:sp>
+      <p:sp>
+        <p:nvSpPr>
+          <p:cNvPr id="3" name="Marcador de Posição de Conteúdo 2"/>
+          <p:cNvSpPr>
+            <a:spLocks noGrp="1"/>
+          </p:cNvSpPr>
+          <p:nvPr>
+            <p:ph idx="1"/>
+          </p:nvPr>
+        </p:nvSpPr>
+        <p:spPr/>
+        <p:txBody>
+          <a:bodyPr/>
+          <a:lstStyle/>
+          <a:p>
+            <a:endParaRPr lang="pt-PT"/>
+          </a:p>
+        </p:txBody>
+      </p:sp>
+      <p:sp>
+        <p:nvSpPr>
+          <p:cNvPr id="4" name="Marcador de Posição do Número do Diapositivo 3"/>
+          <p:cNvSpPr>
+            <a:spLocks noGrp="1"/>
+          </p:cNvSpPr>
+          <p:nvPr>
+            <p:ph type="sldNum" sz="quarter" idx="12"/>
+          </p:nvPr>
+        </p:nvSpPr>
+        <p:spPr/>
+        <p:txBody>
+          <a:bodyPr/>
+          <a:lstStyle/>
+          <a:p>
+            <a:fld id="{B2DC25EE-239B-4C5F-AAD1-255A7D5F1EE2}" type="slidenum">
+              <a:rPr lang="en-US" smtClean="0"/>
+              <a:t>6</a:t>
+            </a:fld>
+            <a:endParaRPr lang="en-US"/>
+          </a:p>
+        </p:txBody>
+      </p:sp>
+    </p:spTree>
+    <p:extLst>
+      <p:ext uri="{BB962C8B-B14F-4D97-AF65-F5344CB8AC3E}">
+        <p14:creationId xmlns:p14="http://schemas.microsoft.com/office/powerpoint/2010/main" val="770813551"/>
+      </p:ext>
+    </p:extLst>
+  </p:cSld>
+  <p:clrMapOvr>
+    <a:masterClrMapping/>
+  </p:clrMapOvr>
+</p:sld>
+</file>
+
+<file path=ppt/slides/slide7.xml><?xml version="1.0" encoding="utf-8"?>
 <p:sld xmlns:a="http://schemas.openxmlformats.org/drawingml/2006/main" xmlns:r="http://schemas.openxmlformats.org/officeDocument/2006/relationships" xmlns:p="http://schemas.openxmlformats.org/presentationml/2006/main">
   <p:cSld>
     <p:bg>
@@ -9217,13 +9561,13 @@
       </p:grpSpPr>
       <p:sp useBgFill="1">
         <p:nvSpPr>
-          <p:cNvPr id="40" name="Rectangle 31">
-            <a:extLst>
-              <a:ext uri="{FF2B5EF4-FFF2-40B4-BE49-F238E27FC236}">
-                <a16:creationId xmlns:a16="http://schemas.microsoft.com/office/drawing/2014/main" id="{AA474011-A49D-4C7A-BF41-0ACD0A2693B3}"/>
+          <p:cNvPr id="87" name="Rectangle 86">
+            <a:extLst>
+              <a:ext uri="{FF2B5EF4-FFF2-40B4-BE49-F238E27FC236}">
+                <a16:creationId xmlns:a16="http://schemas.microsoft.com/office/drawing/2014/main" id="{5DCB5928-DC7D-4612-9922-441966E15627}"/>
               </a:ext>
               <a:ext uri="{C183D7F6-B498-43B3-948B-1728B52AA6E4}">
-                <adec:decorative xmlns:adec="http://schemas.microsoft.com/office/drawing/2017/decorative" val="1"/>
+                <adec:decorative xmlns:adec="http://schemas.microsoft.com/office/drawing/2017/decorative" xmlns="" val="1"/>
               </a:ext>
             </a:extLst>
           </p:cNvPr>
@@ -9275,521 +9619,6 @@
           </a:p>
         </p:txBody>
       </p:sp>
-      <p:sp useBgFill="1">
-        <p:nvSpPr>
-          <p:cNvPr id="41" name="Rectangle 33">
-            <a:extLst>
-              <a:ext uri="{FF2B5EF4-FFF2-40B4-BE49-F238E27FC236}">
-                <a16:creationId xmlns:a16="http://schemas.microsoft.com/office/drawing/2014/main" id="{6D72081E-AD41-4FBB-B02B-698A68DBCA5E}"/>
-              </a:ext>
-              <a:ext uri="{C183D7F6-B498-43B3-948B-1728B52AA6E4}">
-                <adec:decorative xmlns:adec="http://schemas.microsoft.com/office/drawing/2017/decorative" val="1"/>
-              </a:ext>
-            </a:extLst>
-          </p:cNvPr>
-          <p:cNvSpPr>
-            <a:spLocks noGrp="1" noRot="1" noChangeAspect="1" noMove="1" noResize="1" noEditPoints="1" noAdjustHandles="1" noChangeArrowheads="1" noChangeShapeType="1" noTextEdit="1"/>
-          </p:cNvSpPr>
-          <p:nvPr>
-            <p:extLst>
-              <p:ext uri="{386F3935-93C4-4BCD-93E2-E3B085C9AB24}">
-                <p16:designElem xmlns:p16="http://schemas.microsoft.com/office/powerpoint/2015/main" val="1"/>
-              </p:ext>
-            </p:extLst>
-          </p:nvPr>
-        </p:nvSpPr>
-        <p:spPr>
-          <a:xfrm>
-            <a:off x="554416" y="4218905"/>
-            <a:ext cx="11167447" cy="2089317"/>
-          </a:xfrm>
-          <a:prstGeom prst="rect">
-            <a:avLst/>
-          </a:prstGeom>
-          <a:ln w="12700">
-            <a:solidFill>
-              <a:schemeClr val="tx2">
-                <a:lumMod val="10000"/>
-                <a:lumOff val="90000"/>
-              </a:schemeClr>
-            </a:solidFill>
-          </a:ln>
-          <a:effectLst>
-            <a:outerShdw blurRad="50800" dist="38100" dir="2700000" algn="tl" rotWithShape="0">
-              <a:schemeClr val="bg2">
-                <a:lumMod val="85000"/>
-                <a:alpha val="30000"/>
-              </a:schemeClr>
-            </a:outerShdw>
-          </a:effectLst>
-        </p:spPr>
-        <p:style>
-          <a:lnRef idx="2">
-            <a:schemeClr val="accent1">
-              <a:shade val="50000"/>
-            </a:schemeClr>
-          </a:lnRef>
-          <a:fillRef idx="1">
-            <a:schemeClr val="accent1"/>
-          </a:fillRef>
-          <a:effectRef idx="0">
-            <a:schemeClr val="accent1"/>
-          </a:effectRef>
-          <a:fontRef idx="minor">
-            <a:schemeClr val="lt1"/>
-          </a:fontRef>
-        </p:style>
-        <p:txBody>
-          <a:bodyPr rtlCol="0" anchor="ctr"/>
-          <a:lstStyle/>
-          <a:p>
-            <a:pPr marL="0" marR="0" lvl="0" indent="0" algn="ctr" defTabSz="914400" rtl="0" eaLnBrk="1" fontAlgn="auto" latinLnBrk="0" hangingPunct="1">
-              <a:lnSpc>
-                <a:spcPct val="100000"/>
-              </a:lnSpc>
-              <a:spcBef>
-                <a:spcPts val="0"/>
-              </a:spcBef>
-              <a:spcAft>
-                <a:spcPts val="0"/>
-              </a:spcAft>
-              <a:buClrTx/>
-              <a:buSzTx/>
-              <a:buFontTx/>
-              <a:buNone/>
-              <a:tabLst/>
-              <a:defRPr/>
-            </a:pPr>
-            <a:endParaRPr kumimoji="0" lang="en-US" sz="1800" b="0" i="0" u="none" strike="noStrike" kern="1200" cap="none" spc="0" normalizeH="0" baseline="0" noProof="0">
-              <a:ln>
-                <a:noFill/>
-              </a:ln>
-              <a:solidFill>
-                <a:prstClr val="white"/>
-              </a:solidFill>
-              <a:effectLst/>
-              <a:uLnTx/>
-              <a:uFillTx/>
-              <a:latin typeface="Calibri" panose="020F0502020204030204"/>
-              <a:ea typeface="+mn-ea"/>
-              <a:cs typeface="+mn-cs"/>
-            </a:endParaRPr>
-          </a:p>
-        </p:txBody>
-      </p:sp>
-      <p:sp>
-        <p:nvSpPr>
-          <p:cNvPr id="2" name="Título 1">
-            <a:extLst>
-              <a:ext uri="{FF2B5EF4-FFF2-40B4-BE49-F238E27FC236}">
-                <a16:creationId xmlns:a16="http://schemas.microsoft.com/office/drawing/2014/main" id="{C3BEE134-F5FC-169A-D455-71395ECEF1A2}"/>
-              </a:ext>
-            </a:extLst>
-          </p:cNvPr>
-          <p:cNvSpPr>
-            <a:spLocks noGrp="1"/>
-          </p:cNvSpPr>
-          <p:nvPr>
-            <p:ph type="title"/>
-          </p:nvPr>
-        </p:nvSpPr>
-        <p:spPr>
-          <a:xfrm>
-            <a:off x="1159125" y="4440602"/>
-            <a:ext cx="3538728" cy="1645920"/>
-          </a:xfrm>
-        </p:spPr>
-        <p:txBody>
-          <a:bodyPr>
-            <a:normAutofit/>
-          </a:bodyPr>
-          <a:lstStyle/>
-          <a:p>
-            <a:r>
-              <a:rPr lang="pt-PT" sz="3200" dirty="0"/>
-              <a:t>Protótipo funcional</a:t>
-            </a:r>
-          </a:p>
-        </p:txBody>
-      </p:sp>
-      <p:pic>
-        <p:nvPicPr>
-          <p:cNvPr id="5" name="Imagem 4">
-            <a:extLst>
-              <a:ext uri="{FF2B5EF4-FFF2-40B4-BE49-F238E27FC236}">
-                <a16:creationId xmlns:a16="http://schemas.microsoft.com/office/drawing/2014/main" id="{6497E4CB-757E-82F0-9E35-AA50397E4275}"/>
-              </a:ext>
-            </a:extLst>
-          </p:cNvPr>
-          <p:cNvPicPr>
-            <a:picLocks noChangeAspect="1"/>
-          </p:cNvPicPr>
-          <p:nvPr/>
-        </p:nvPicPr>
-        <p:blipFill rotWithShape="1">
-          <a:blip r:embed="rId2"/>
-          <a:srcRect l="4369" t="9767" r="5916" b="9876"/>
-          <a:stretch/>
-        </p:blipFill>
-        <p:spPr>
-          <a:xfrm>
-            <a:off x="2820416" y="1258617"/>
-            <a:ext cx="6551168" cy="1701672"/>
-          </a:xfrm>
-          <a:prstGeom prst="rect">
-            <a:avLst/>
-          </a:prstGeom>
-        </p:spPr>
-      </p:pic>
-      <p:sp>
-        <p:nvSpPr>
-          <p:cNvPr id="42" name="Rectangle 35">
-            <a:extLst>
-              <a:ext uri="{FF2B5EF4-FFF2-40B4-BE49-F238E27FC236}">
-                <a16:creationId xmlns:a16="http://schemas.microsoft.com/office/drawing/2014/main" id="{716248AD-805F-41BF-9B57-FC53E5B32F98}"/>
-              </a:ext>
-              <a:ext uri="{C183D7F6-B498-43B3-948B-1728B52AA6E4}">
-                <adec:decorative xmlns:adec="http://schemas.microsoft.com/office/drawing/2017/decorative" val="1"/>
-              </a:ext>
-            </a:extLst>
-          </p:cNvPr>
-          <p:cNvSpPr>
-            <a:spLocks noGrp="1" noRot="1" noChangeAspect="1" noMove="1" noResize="1" noEditPoints="1" noAdjustHandles="1" noChangeArrowheads="1" noChangeShapeType="1" noTextEdit="1"/>
-          </p:cNvSpPr>
-          <p:nvPr>
-            <p:extLst>
-              <p:ext uri="{386F3935-93C4-4BCD-93E2-E3B085C9AB24}">
-                <p16:designElem xmlns:p16="http://schemas.microsoft.com/office/powerpoint/2015/main" val="1"/>
-              </p:ext>
-            </p:extLst>
-          </p:nvPr>
-        </p:nvSpPr>
-        <p:spPr>
-          <a:xfrm>
-            <a:off x="490408" y="4911518"/>
-            <a:ext cx="128016" cy="704088"/>
-          </a:xfrm>
-          <a:prstGeom prst="rect">
-            <a:avLst/>
-          </a:prstGeom>
-          <a:solidFill>
-            <a:schemeClr val="accent1"/>
-          </a:solidFill>
-          <a:ln>
-            <a:noFill/>
-          </a:ln>
-        </p:spPr>
-        <p:style>
-          <a:lnRef idx="2">
-            <a:schemeClr val="accent1">
-              <a:shade val="50000"/>
-            </a:schemeClr>
-          </a:lnRef>
-          <a:fillRef idx="1">
-            <a:schemeClr val="accent1"/>
-          </a:fillRef>
-          <a:effectRef idx="0">
-            <a:schemeClr val="accent1"/>
-          </a:effectRef>
-          <a:fontRef idx="minor">
-            <a:schemeClr val="lt1"/>
-          </a:fontRef>
-        </p:style>
-        <p:txBody>
-          <a:bodyPr rtlCol="0" anchor="ctr"/>
-          <a:lstStyle/>
-          <a:p>
-            <a:pPr marL="0" marR="0" lvl="0" indent="0" algn="ctr" defTabSz="914400" rtl="0" eaLnBrk="1" fontAlgn="auto" latinLnBrk="0" hangingPunct="1">
-              <a:lnSpc>
-                <a:spcPct val="100000"/>
-              </a:lnSpc>
-              <a:spcBef>
-                <a:spcPts val="0"/>
-              </a:spcBef>
-              <a:spcAft>
-                <a:spcPts val="0"/>
-              </a:spcAft>
-              <a:buClrTx/>
-              <a:buSzTx/>
-              <a:buFontTx/>
-              <a:buNone/>
-              <a:tabLst/>
-              <a:defRPr/>
-            </a:pPr>
-            <a:endParaRPr kumimoji="0" lang="en-US" sz="1800" b="0" i="0" u="none" strike="noStrike" kern="1200" cap="none" spc="0" normalizeH="0" baseline="0" noProof="0" dirty="0">
-              <a:ln>
-                <a:noFill/>
-              </a:ln>
-              <a:solidFill>
-                <a:prstClr val="white"/>
-              </a:solidFill>
-              <a:effectLst/>
-              <a:uLnTx/>
-              <a:uFillTx/>
-              <a:latin typeface="Calibri" panose="020F0502020204030204"/>
-              <a:ea typeface="+mn-ea"/>
-              <a:cs typeface="+mn-cs"/>
-            </a:endParaRPr>
-          </a:p>
-        </p:txBody>
-      </p:sp>
-      <p:sp>
-        <p:nvSpPr>
-          <p:cNvPr id="43" name="Rectangle 37">
-            <a:extLst>
-              <a:ext uri="{FF2B5EF4-FFF2-40B4-BE49-F238E27FC236}">
-                <a16:creationId xmlns:a16="http://schemas.microsoft.com/office/drawing/2014/main" id="{1F82758F-B2B3-4F0A-BB90-4BFFEDD166D6}"/>
-              </a:ext>
-              <a:ext uri="{C183D7F6-B498-43B3-948B-1728B52AA6E4}">
-                <adec:decorative xmlns:adec="http://schemas.microsoft.com/office/drawing/2017/decorative" val="1"/>
-              </a:ext>
-            </a:extLst>
-          </p:cNvPr>
-          <p:cNvSpPr>
-            <a:spLocks noGrp="1" noRot="1" noChangeAspect="1" noMove="1" noResize="1" noEditPoints="1" noAdjustHandles="1" noChangeArrowheads="1" noChangeShapeType="1" noTextEdit="1"/>
-          </p:cNvSpPr>
-          <p:nvPr>
-            <p:extLst>
-              <p:ext uri="{386F3935-93C4-4BCD-93E2-E3B085C9AB24}">
-                <p16:designElem xmlns:p16="http://schemas.microsoft.com/office/powerpoint/2015/main" val="1"/>
-              </p:ext>
-            </p:extLst>
-          </p:nvPr>
-        </p:nvSpPr>
-        <p:spPr>
-          <a:xfrm rot="5400000">
-            <a:off x="4248113" y="5258990"/>
-            <a:ext cx="1463040" cy="9144"/>
-          </a:xfrm>
-          <a:prstGeom prst="rect">
-            <a:avLst/>
-          </a:prstGeom>
-          <a:solidFill>
-            <a:schemeClr val="tx2">
-              <a:lumMod val="25000"/>
-              <a:lumOff val="75000"/>
-            </a:schemeClr>
-          </a:solidFill>
-          <a:ln w="3175">
-            <a:noFill/>
-          </a:ln>
-          <a:effectLst/>
-        </p:spPr>
-        <p:style>
-          <a:lnRef idx="2">
-            <a:schemeClr val="accent1">
-              <a:shade val="50000"/>
-            </a:schemeClr>
-          </a:lnRef>
-          <a:fillRef idx="1">
-            <a:schemeClr val="accent1"/>
-          </a:fillRef>
-          <a:effectRef idx="0">
-            <a:schemeClr val="accent1"/>
-          </a:effectRef>
-          <a:fontRef idx="minor">
-            <a:schemeClr val="lt1"/>
-          </a:fontRef>
-        </p:style>
-        <p:txBody>
-          <a:bodyPr rtlCol="0" anchor="ctr"/>
-          <a:lstStyle/>
-          <a:p>
-            <a:pPr marL="0" marR="0" lvl="0" indent="0" algn="ctr" defTabSz="914400" rtl="0" eaLnBrk="1" fontAlgn="auto" latinLnBrk="0" hangingPunct="1">
-              <a:lnSpc>
-                <a:spcPct val="100000"/>
-              </a:lnSpc>
-              <a:spcBef>
-                <a:spcPts val="0"/>
-              </a:spcBef>
-              <a:spcAft>
-                <a:spcPts val="0"/>
-              </a:spcAft>
-              <a:buClrTx/>
-              <a:buSzTx/>
-              <a:buFontTx/>
-              <a:buNone/>
-              <a:tabLst/>
-              <a:defRPr/>
-            </a:pPr>
-            <a:endParaRPr kumimoji="0" lang="en-US" sz="1800" b="0" i="0" u="none" strike="noStrike" kern="1200" cap="none" spc="0" normalizeH="0" baseline="0" noProof="0">
-              <a:ln>
-                <a:noFill/>
-              </a:ln>
-              <a:solidFill>
-                <a:prstClr val="white"/>
-              </a:solidFill>
-              <a:effectLst/>
-              <a:uLnTx/>
-              <a:uFillTx/>
-              <a:latin typeface="Calibri" panose="020F0502020204030204"/>
-              <a:ea typeface="+mn-ea"/>
-              <a:cs typeface="+mn-cs"/>
-            </a:endParaRPr>
-          </a:p>
-        </p:txBody>
-      </p:sp>
-      <p:sp>
-        <p:nvSpPr>
-          <p:cNvPr id="4" name="Marcador de Posição do Número do Diapositivo 3">
-            <a:extLst>
-              <a:ext uri="{FF2B5EF4-FFF2-40B4-BE49-F238E27FC236}">
-                <a16:creationId xmlns:a16="http://schemas.microsoft.com/office/drawing/2014/main" id="{F40B0C4B-C90A-8799-290E-9B38B588601D}"/>
-              </a:ext>
-            </a:extLst>
-          </p:cNvPr>
-          <p:cNvSpPr>
-            <a:spLocks noGrp="1"/>
-          </p:cNvSpPr>
-          <p:nvPr>
-            <p:ph type="sldNum" sz="quarter" idx="12"/>
-          </p:nvPr>
-        </p:nvSpPr>
-        <p:spPr>
-          <a:xfrm>
-            <a:off x="8540496" y="6356350"/>
-            <a:ext cx="2743200" cy="365125"/>
-          </a:xfrm>
-        </p:spPr>
-        <p:txBody>
-          <a:bodyPr>
-            <a:normAutofit/>
-          </a:bodyPr>
-          <a:lstStyle/>
-          <a:p>
-            <a:pPr>
-              <a:spcAft>
-                <a:spcPts val="600"/>
-              </a:spcAft>
-            </a:pPr>
-            <a:fld id="{B2DC25EE-239B-4C5F-AAD1-255A7D5F1EE2}" type="slidenum">
-              <a:rPr lang="en-US">
-                <a:solidFill>
-                  <a:schemeClr val="tx2">
-                    <a:lumMod val="50000"/>
-                    <a:lumOff val="50000"/>
-                  </a:schemeClr>
-                </a:solidFill>
-              </a:rPr>
-              <a:pPr>
-                <a:spcAft>
-                  <a:spcPts val="600"/>
-                </a:spcAft>
-              </a:pPr>
-              <a:t>4</a:t>
-            </a:fld>
-            <a:endParaRPr lang="en-US">
-              <a:solidFill>
-                <a:schemeClr val="tx2">
-                  <a:lumMod val="50000"/>
-                  <a:lumOff val="50000"/>
-                </a:schemeClr>
-              </a:solidFill>
-            </a:endParaRPr>
-          </a:p>
-        </p:txBody>
-      </p:sp>
-    </p:spTree>
-    <p:extLst>
-      <p:ext uri="{BB962C8B-B14F-4D97-AF65-F5344CB8AC3E}">
-        <p14:creationId xmlns:p14="http://schemas.microsoft.com/office/powerpoint/2010/main" val="3713401172"/>
-      </p:ext>
-    </p:extLst>
-  </p:cSld>
-  <p:clrMapOvr>
-    <a:masterClrMapping/>
-  </p:clrMapOvr>
-  <p:transition spd="slow">
-    <p:push dir="u"/>
-  </p:transition>
-</p:sld>
-</file>
-
-<file path=ppt/slides/slide5.xml><?xml version="1.0" encoding="utf-8"?>
-<p:sld xmlns:a="http://schemas.openxmlformats.org/drawingml/2006/main" xmlns:r="http://schemas.openxmlformats.org/officeDocument/2006/relationships" xmlns:p="http://schemas.openxmlformats.org/presentationml/2006/main">
-  <p:cSld>
-    <p:bg>
-      <p:bgPr>
-        <a:solidFill>
-          <a:schemeClr val="bg1"/>
-        </a:solidFill>
-        <a:effectLst/>
-      </p:bgPr>
-    </p:bg>
-    <p:spTree>
-      <p:nvGrpSpPr>
-        <p:cNvPr id="1" name=""/>
-        <p:cNvGrpSpPr/>
-        <p:nvPr/>
-      </p:nvGrpSpPr>
-      <p:grpSpPr>
-        <a:xfrm>
-          <a:off x="0" y="0"/>
-          <a:ext cx="0" cy="0"/>
-          <a:chOff x="0" y="0"/>
-          <a:chExt cx="0" cy="0"/>
-        </a:xfrm>
-      </p:grpSpPr>
-      <p:sp useBgFill="1">
-        <p:nvSpPr>
-          <p:cNvPr id="87" name="Rectangle 86">
-            <a:extLst>
-              <a:ext uri="{FF2B5EF4-FFF2-40B4-BE49-F238E27FC236}">
-                <a16:creationId xmlns:a16="http://schemas.microsoft.com/office/drawing/2014/main" id="{5DCB5928-DC7D-4612-9922-441966E15627}"/>
-              </a:ext>
-              <a:ext uri="{C183D7F6-B498-43B3-948B-1728B52AA6E4}">
-                <adec:decorative xmlns:adec="http://schemas.microsoft.com/office/drawing/2017/decorative" val="1"/>
-              </a:ext>
-            </a:extLst>
-          </p:cNvPr>
-          <p:cNvSpPr>
-            <a:spLocks noGrp="1" noRot="1" noChangeAspect="1" noMove="1" noResize="1" noEditPoints="1" noAdjustHandles="1" noChangeArrowheads="1" noChangeShapeType="1" noTextEdit="1"/>
-          </p:cNvSpPr>
-          <p:nvPr>
-            <p:extLst>
-              <p:ext uri="{386F3935-93C4-4BCD-93E2-E3B085C9AB24}">
-                <p16:designElem xmlns:p16="http://schemas.microsoft.com/office/powerpoint/2015/main" val="1"/>
-              </p:ext>
-            </p:extLst>
-          </p:nvPr>
-        </p:nvSpPr>
-        <p:spPr>
-          <a:xfrm>
-            <a:off x="0" y="0"/>
-            <a:ext cx="12192000" cy="6858000"/>
-          </a:xfrm>
-          <a:prstGeom prst="rect">
-            <a:avLst/>
-          </a:prstGeom>
-          <a:ln>
-            <a:noFill/>
-          </a:ln>
-        </p:spPr>
-        <p:style>
-          <a:lnRef idx="2">
-            <a:schemeClr val="accent1">
-              <a:shade val="50000"/>
-            </a:schemeClr>
-          </a:lnRef>
-          <a:fillRef idx="1">
-            <a:schemeClr val="accent1"/>
-          </a:fillRef>
-          <a:effectRef idx="0">
-            <a:schemeClr val="accent1"/>
-          </a:effectRef>
-          <a:fontRef idx="minor">
-            <a:schemeClr val="lt1"/>
-          </a:fontRef>
-        </p:style>
-        <p:txBody>
-          <a:bodyPr rtlCol="0" anchor="ctr"/>
-          <a:lstStyle/>
-          <a:p>
-            <a:pPr algn="ctr"/>
-            <a:endParaRPr lang="en-US"/>
-          </a:p>
-        </p:txBody>
-      </p:sp>
       <p:pic>
         <p:nvPicPr>
           <p:cNvPr id="129" name="Imagem 128">
@@ -9834,7 +9663,7 @@
                 <a16:creationId xmlns:a16="http://schemas.microsoft.com/office/drawing/2014/main" id="{682C1161-1736-45EC-99B7-33F3CAE9D517}"/>
               </a:ext>
               <a:ext uri="{C183D7F6-B498-43B3-948B-1728B52AA6E4}">
-                <adec:decorative xmlns:adec="http://schemas.microsoft.com/office/drawing/2017/decorative" val="1"/>
+                <adec:decorative xmlns:adec="http://schemas.microsoft.com/office/drawing/2017/decorative" xmlns="" val="1"/>
               </a:ext>
             </a:extLst>
           </p:cNvPr>
@@ -10009,7 +9838,7 @@
                 <a16:creationId xmlns:a16="http://schemas.microsoft.com/office/drawing/2014/main" id="{84D4DDB8-B68F-45B0-9F62-C4279996F672}"/>
               </a:ext>
               <a:ext uri="{C183D7F6-B498-43B3-948B-1728B52AA6E4}">
-                <adec:decorative xmlns:adec="http://schemas.microsoft.com/office/drawing/2017/decorative" val="1"/>
+                <adec:decorative xmlns:adec="http://schemas.microsoft.com/office/drawing/2017/decorative" xmlns="" val="1"/>
               </a:ext>
             </a:extLst>
           </p:cNvPr>
@@ -10219,7 +10048,7 @@
                 <a16:creationId xmlns:a16="http://schemas.microsoft.com/office/drawing/2014/main" id="{AF2F604E-43BE-4DC3-B983-E071523364F8}"/>
               </a:ext>
               <a:ext uri="{C183D7F6-B498-43B3-948B-1728B52AA6E4}">
-                <adec:decorative xmlns:adec="http://schemas.microsoft.com/office/drawing/2017/decorative" val="1"/>
+                <adec:decorative xmlns:adec="http://schemas.microsoft.com/office/drawing/2017/decorative" xmlns="" val="1"/>
               </a:ext>
             </a:extLst>
           </p:cNvPr>
@@ -10311,7 +10140,7 @@
                 <a16:creationId xmlns:a16="http://schemas.microsoft.com/office/drawing/2014/main" id="{08C9B587-E65E-4B52-B37C-ABEBB6E87928}"/>
               </a:ext>
               <a:ext uri="{C183D7F6-B498-43B3-948B-1728B52AA6E4}">
-                <adec:decorative xmlns:adec="http://schemas.microsoft.com/office/drawing/2017/decorative" val="1"/>
+                <adec:decorative xmlns:adec="http://schemas.microsoft.com/office/drawing/2017/decorative" xmlns="" val="1"/>
               </a:ext>
             </a:extLst>
           </p:cNvPr>
@@ -10428,6 +10257,36 @@
           </a:prstGeom>
         </p:spPr>
       </p:pic>
+      <p:sp>
+        <p:nvSpPr>
+          <p:cNvPr id="2" name="CaixaDeTexto 1"/>
+          <p:cNvSpPr txBox="1"/>
+          <p:nvPr/>
+        </p:nvSpPr>
+        <p:spPr>
+          <a:xfrm>
+            <a:off x="477981" y="4044462"/>
+            <a:ext cx="4026408" cy="369332"/>
+          </a:xfrm>
+          <a:prstGeom prst="rect">
+            <a:avLst/>
+          </a:prstGeom>
+          <a:noFill/>
+        </p:spPr>
+        <p:txBody>
+          <a:bodyPr wrap="square" rtlCol="0">
+            <a:spAutoFit/>
+          </a:bodyPr>
+          <a:lstStyle/>
+          <a:p>
+            <a:r>
+              <a:rPr lang="pt-PT" dirty="0" smtClean="0"/>
+              <a:t>Demonstração do protótipo</a:t>
+            </a:r>
+            <a:endParaRPr lang="pt-PT" dirty="0"/>
+          </a:p>
+        </p:txBody>
+      </p:sp>
     </p:spTree>
     <p:extLst>
       <p:ext uri="{BB962C8B-B14F-4D97-AF65-F5344CB8AC3E}">

--- a/apresentações/Apresentação3.pptx
+++ b/apresentações/Apresentação3.pptx
@@ -5,7 +5,7 @@
     <p:sldMasterId id="2147484029" r:id="rId1"/>
   </p:sldMasterIdLst>
   <p:notesMasterIdLst>
-    <p:notesMasterId r:id="rId9"/>
+    <p:notesMasterId r:id="rId8"/>
   </p:notesMasterIdLst>
   <p:sldIdLst>
     <p:sldId id="256" r:id="rId2"/>
@@ -13,8 +13,7 @@
     <p:sldId id="269" r:id="rId4"/>
     <p:sldId id="271" r:id="rId5"/>
     <p:sldId id="268" r:id="rId6"/>
-    <p:sldId id="272" r:id="rId7"/>
-    <p:sldId id="267" r:id="rId8"/>
+    <p:sldId id="267" r:id="rId7"/>
   </p:sldIdLst>
   <p:sldSz cx="12192000" cy="6858000"/>
   <p:notesSz cx="6858000" cy="9144000"/>
@@ -124,7 +123,7 @@
 <file path=ppt/revisionInfo.xml><?xml version="1.0" encoding="utf-8"?>
 <p1510:revInfo xmlns:a="http://schemas.openxmlformats.org/drawingml/2006/main" xmlns:r="http://schemas.openxmlformats.org/officeDocument/2006/relationships" xmlns:p1510="http://schemas.microsoft.com/office/powerpoint/2015/10/main">
   <p1510:revLst>
-    <p1510:client id="{97D8C29D-7C96-49FE-99F8-9AF00DAC7F42}" v="7" dt="2023-05-17T13:37:57.302"/>
+    <p1510:client id="{97D8C29D-7C96-49FE-99F8-9AF00DAC7F42}" v="9" dt="2023-05-18T10:16:54.837"/>
   </p1510:revLst>
 </p1510:revInfo>
 </file>
@@ -158,7 +157,7 @@
   <pc:docChgLst>
     <pc:chgData name="Gongas 1331" userId="df032c020f298233" providerId="LiveId" clId="{97D8C29D-7C96-49FE-99F8-9AF00DAC7F42}"/>
     <pc:docChg chg="undo custSel addSld delSld modSld sldOrd delMainMaster">
-      <pc:chgData name="Gongas 1331" userId="df032c020f298233" providerId="LiveId" clId="{97D8C29D-7C96-49FE-99F8-9AF00DAC7F42}" dt="2023-05-17T13:48:52.937" v="123" actId="1076"/>
+      <pc:chgData name="Gongas 1331" userId="df032c020f298233" providerId="LiveId" clId="{97D8C29D-7C96-49FE-99F8-9AF00DAC7F42}" dt="2023-05-18T10:17:00.613" v="140" actId="115"/>
       <pc:docMkLst>
         <pc:docMk/>
       </pc:docMkLst>
@@ -558,6 +557,21 @@
           <pc:sldMk cId="434901957" sldId="263"/>
         </pc:sldMkLst>
       </pc:sldChg>
+      <pc:sldChg chg="modSp mod">
+        <pc:chgData name="Gongas 1331" userId="df032c020f298233" providerId="LiveId" clId="{97D8C29D-7C96-49FE-99F8-9AF00DAC7F42}" dt="2023-05-18T10:17:00.613" v="140" actId="115"/>
+        <pc:sldMkLst>
+          <pc:docMk/>
+          <pc:sldMk cId="2551422336" sldId="267"/>
+        </pc:sldMkLst>
+        <pc:spChg chg="mod">
+          <ac:chgData name="Gongas 1331" userId="df032c020f298233" providerId="LiveId" clId="{97D8C29D-7C96-49FE-99F8-9AF00DAC7F42}" dt="2023-05-18T10:17:00.613" v="140" actId="115"/>
+          <ac:spMkLst>
+            <pc:docMk/>
+            <pc:sldMk cId="2551422336" sldId="267"/>
+            <ac:spMk id="2" creationId="{00000000-0000-0000-0000-000000000000}"/>
+          </ac:spMkLst>
+        </pc:spChg>
+      </pc:sldChg>
       <pc:sldChg chg="addSp delSp modSp new mod modTransition setBg">
         <pc:chgData name="Gongas 1331" userId="df032c020f298233" providerId="LiveId" clId="{97D8C29D-7C96-49FE-99F8-9AF00DAC7F42}" dt="2023-05-17T13:48:52.937" v="123" actId="1076"/>
         <pc:sldMkLst>
@@ -731,6 +745,35 @@
           <pc:docMk/>
           <pc:sldMk cId="3127234507" sldId="268"/>
         </pc:sldMkLst>
+      </pc:sldChg>
+      <pc:sldChg chg="modTransition">
+        <pc:chgData name="Gongas 1331" userId="df032c020f298233" providerId="LiveId" clId="{97D8C29D-7C96-49FE-99F8-9AF00DAC7F42}" dt="2023-05-18T10:16:52.472" v="138"/>
+        <pc:sldMkLst>
+          <pc:docMk/>
+          <pc:sldMk cId="3751706103" sldId="269"/>
+        </pc:sldMkLst>
+      </pc:sldChg>
+      <pc:sldChg chg="modTransition">
+        <pc:chgData name="Gongas 1331" userId="df032c020f298233" providerId="LiveId" clId="{97D8C29D-7C96-49FE-99F8-9AF00DAC7F42}" dt="2023-05-18T10:16:54.837" v="139"/>
+        <pc:sldMkLst>
+          <pc:docMk/>
+          <pc:sldMk cId="3081916616" sldId="271"/>
+        </pc:sldMkLst>
+      </pc:sldChg>
+      <pc:sldChg chg="modSp del mod">
+        <pc:chgData name="Gongas 1331" userId="df032c020f298233" providerId="LiveId" clId="{97D8C29D-7C96-49FE-99F8-9AF00DAC7F42}" dt="2023-05-18T10:16:48.815" v="137" actId="2696"/>
+        <pc:sldMkLst>
+          <pc:docMk/>
+          <pc:sldMk cId="770813551" sldId="272"/>
+        </pc:sldMkLst>
+        <pc:spChg chg="mod">
+          <ac:chgData name="Gongas 1331" userId="df032c020f298233" providerId="LiveId" clId="{97D8C29D-7C96-49FE-99F8-9AF00DAC7F42}" dt="2023-05-18T10:16:42.203" v="136" actId="20577"/>
+          <ac:spMkLst>
+            <pc:docMk/>
+            <pc:sldMk cId="770813551" sldId="272"/>
+            <ac:spMk id="3" creationId="{00000000-0000-0000-0000-000000000000}"/>
+          </ac:spMkLst>
+        </pc:spChg>
       </pc:sldChg>
       <pc:sldMasterChg chg="del delSldLayout">
         <pc:chgData name="Gongas 1331" userId="df032c020f298233" providerId="LiveId" clId="{97D8C29D-7C96-49FE-99F8-9AF00DAC7F42}" dt="2023-05-17T13:17:05.935" v="27" actId="47"/>
@@ -1503,7 +1546,7 @@
           <a:p>
             <a:fld id="{69BF30CE-394F-450F-8419-A264E40DF72D}" type="datetimeFigureOut">
               <a:rPr lang="pt-PT" smtClean="0"/>
-              <a:t>17/05/2023</a:t>
+              <a:t>18/05/2023</a:t>
             </a:fld>
             <a:endParaRPr lang="pt-PT"/>
           </a:p>
@@ -2020,7 +2063,7 @@
           <a:p>
             <a:fld id="{B5EB6763-F36A-4840-BDBA-0C64361552CB}" type="slidenum">
               <a:rPr lang="pt-PT" smtClean="0"/>
-              <a:t>7</a:t>
+              <a:t>6</a:t>
             </a:fld>
             <a:endParaRPr lang="pt-PT"/>
           </a:p>
@@ -2195,7 +2238,7 @@
           <a:p>
             <a:fld id="{FC1C7292-1EDE-465B-ABD5-A3228A467555}" type="datetime1">
               <a:rPr lang="en-US" smtClean="0"/>
-              <a:t>5/17/2023</a:t>
+              <a:t>5/18/2023</a:t>
             </a:fld>
             <a:endParaRPr lang="en-US" dirty="0"/>
           </a:p>
@@ -2565,7 +2608,7 @@
           <a:p>
             <a:fld id="{ABFE992A-1861-4CD9-BAC7-9355E8902EB6}" type="datetime1">
               <a:rPr lang="en-US" smtClean="0"/>
-              <a:t>5/17/2023</a:t>
+              <a:t>5/18/2023</a:t>
             </a:fld>
             <a:endParaRPr lang="en-US"/>
           </a:p>
@@ -2774,7 +2817,7 @@
           <a:p>
             <a:fld id="{CAED5D33-EE9A-415E-8D29-159B15C9D9C6}" type="datetime1">
               <a:rPr lang="en-US" smtClean="0"/>
-              <a:t>5/17/2023</a:t>
+              <a:t>5/18/2023</a:t>
             </a:fld>
             <a:endParaRPr lang="en-US"/>
           </a:p>
@@ -3244,7 +3287,7 @@
           <a:p>
             <a:fld id="{8C1FF4BD-5EB1-439F-816B-BFAFA5C3D610}" type="datetime1">
               <a:rPr lang="en-US" smtClean="0"/>
-              <a:t>5/17/2023</a:t>
+              <a:t>5/18/2023</a:t>
             </a:fld>
             <a:endParaRPr lang="en-US"/>
           </a:p>
@@ -3698,7 +3741,7 @@
           <a:p>
             <a:fld id="{92EE42D9-D447-4320-934F-E0B4842EC3ED}" type="datetime1">
               <a:rPr lang="en-US" smtClean="0"/>
-              <a:t>5/17/2023</a:t>
+              <a:t>5/18/2023</a:t>
             </a:fld>
             <a:endParaRPr lang="en-US"/>
           </a:p>
@@ -4230,7 +4273,7 @@
           <a:p>
             <a:fld id="{09E0631B-65B9-42AE-BC50-79C986BD4564}" type="datetime1">
               <a:rPr lang="en-US" smtClean="0"/>
-              <a:t>5/17/2023</a:t>
+              <a:t>5/18/2023</a:t>
             </a:fld>
             <a:endParaRPr lang="en-US"/>
           </a:p>
@@ -4929,7 +4972,7 @@
           <a:p>
             <a:fld id="{714B04DE-2D83-4599-BBBB-C6F67ABD9DF9}" type="datetime1">
               <a:rPr lang="en-US" smtClean="0"/>
-              <a:t>5/17/2023</a:t>
+              <a:t>5/18/2023</a:t>
             </a:fld>
             <a:endParaRPr lang="en-US"/>
           </a:p>
@@ -5258,7 +5301,7 @@
           <a:p>
             <a:fld id="{C2DE4D0F-BD83-4B81-94BF-D84064EC46B9}" type="datetime1">
               <a:rPr lang="en-US" smtClean="0"/>
-              <a:t>5/17/2023</a:t>
+              <a:t>5/18/2023</a:t>
             </a:fld>
             <a:endParaRPr lang="en-US"/>
           </a:p>
@@ -5371,7 +5414,7 @@
           <a:p>
             <a:fld id="{0D325785-FC69-4449-AD46-75D6FFD81C8B}" type="datetime1">
               <a:rPr lang="en-US" smtClean="0"/>
-              <a:t>5/17/2023</a:t>
+              <a:t>5/18/2023</a:t>
             </a:fld>
             <a:endParaRPr lang="en-US"/>
           </a:p>
@@ -5866,7 +5909,7 @@
           <a:p>
             <a:fld id="{CD5FB4AC-08C1-47B7-8862-5DA24A762B79}" type="datetime1">
               <a:rPr lang="en-US" smtClean="0"/>
-              <a:t>5/17/2023</a:t>
+              <a:t>5/18/2023</a:t>
             </a:fld>
             <a:endParaRPr lang="en-US" dirty="0"/>
           </a:p>
@@ -6343,7 +6386,7 @@
           <a:p>
             <a:fld id="{F15E4AD4-5FC6-4834-B629-FA279FD29475}" type="datetime1">
               <a:rPr lang="en-US" smtClean="0"/>
-              <a:t>5/17/2023</a:t>
+              <a:t>5/18/2023</a:t>
             </a:fld>
             <a:endParaRPr lang="en-US"/>
           </a:p>
@@ -6586,7 +6629,7 @@
           <a:p>
             <a:fld id="{0AE8E059-93AF-45B0-8AF7-941ED5F9A7E8}" type="datetime1">
               <a:rPr lang="en-US" smtClean="0"/>
-              <a:t>5/17/2023</a:t>
+              <a:t>5/18/2023</a:t>
             </a:fld>
             <a:endParaRPr lang="en-US"/>
           </a:p>
@@ -7020,7 +7063,7 @@
                 <a16:creationId xmlns:a16="http://schemas.microsoft.com/office/drawing/2014/main" id="{5DCB5928-DC7D-4612-9922-441966E15627}"/>
               </a:ext>
               <a:ext uri="{C183D7F6-B498-43B3-948B-1728B52AA6E4}">
-                <adec:decorative xmlns:adec="http://schemas.microsoft.com/office/drawing/2017/decorative" xmlns="" val="1"/>
+                <adec:decorative xmlns:adec="http://schemas.microsoft.com/office/drawing/2017/decorative" val="1"/>
               </a:ext>
             </a:extLst>
           </p:cNvPr>
@@ -7116,7 +7159,7 @@
                 <a16:creationId xmlns:a16="http://schemas.microsoft.com/office/drawing/2014/main" id="{682C1161-1736-45EC-99B7-33F3CAE9D517}"/>
               </a:ext>
               <a:ext uri="{C183D7F6-B498-43B3-948B-1728B52AA6E4}">
-                <adec:decorative xmlns:adec="http://schemas.microsoft.com/office/drawing/2017/decorative" xmlns="" val="1"/>
+                <adec:decorative xmlns:adec="http://schemas.microsoft.com/office/drawing/2017/decorative" val="1"/>
               </a:ext>
             </a:extLst>
           </p:cNvPr>
@@ -7291,7 +7334,7 @@
                 <a16:creationId xmlns:a16="http://schemas.microsoft.com/office/drawing/2014/main" id="{84D4DDB8-B68F-45B0-9F62-C4279996F672}"/>
               </a:ext>
               <a:ext uri="{C183D7F6-B498-43B3-948B-1728B52AA6E4}">
-                <adec:decorative xmlns:adec="http://schemas.microsoft.com/office/drawing/2017/decorative" xmlns="" val="1"/>
+                <adec:decorative xmlns:adec="http://schemas.microsoft.com/office/drawing/2017/decorative" val="1"/>
               </a:ext>
             </a:extLst>
           </p:cNvPr>
@@ -7490,7 +7533,7 @@
                 <a16:creationId xmlns:a16="http://schemas.microsoft.com/office/drawing/2014/main" id="{AF2F604E-43BE-4DC3-B983-E071523364F8}"/>
               </a:ext>
               <a:ext uri="{C183D7F6-B498-43B3-948B-1728B52AA6E4}">
-                <adec:decorative xmlns:adec="http://schemas.microsoft.com/office/drawing/2017/decorative" xmlns="" val="1"/>
+                <adec:decorative xmlns:adec="http://schemas.microsoft.com/office/drawing/2017/decorative" val="1"/>
               </a:ext>
             </a:extLst>
           </p:cNvPr>
@@ -7582,7 +7625,7 @@
                 <a16:creationId xmlns:a16="http://schemas.microsoft.com/office/drawing/2014/main" id="{08C9B587-E65E-4B52-B37C-ABEBB6E87928}"/>
               </a:ext>
               <a:ext uri="{C183D7F6-B498-43B3-948B-1728B52AA6E4}">
-                <adec:decorative xmlns:adec="http://schemas.microsoft.com/office/drawing/2017/decorative" xmlns="" val="1"/>
+                <adec:decorative xmlns:adec="http://schemas.microsoft.com/office/drawing/2017/decorative" val="1"/>
               </a:ext>
             </a:extLst>
           </p:cNvPr>
@@ -7748,7 +7791,7 @@
                 <a16:creationId xmlns:a16="http://schemas.microsoft.com/office/drawing/2014/main" id="{8D06CE56-3881-4ADA-8CEF-D18B02C242A3}"/>
               </a:ext>
               <a:ext uri="{C183D7F6-B498-43B3-948B-1728B52AA6E4}">
-                <adec:decorative xmlns:adec="http://schemas.microsoft.com/office/drawing/2017/decorative" xmlns="" val="1"/>
+                <adec:decorative xmlns:adec="http://schemas.microsoft.com/office/drawing/2017/decorative" val="1"/>
               </a:ext>
             </a:extLst>
           </p:cNvPr>
@@ -7840,7 +7883,7 @@
                 <a16:creationId xmlns:a16="http://schemas.microsoft.com/office/drawing/2014/main" id="{79F3C543-62EC-4433-9C93-A2CD8764E9B4}"/>
               </a:ext>
               <a:ext uri="{C183D7F6-B498-43B3-948B-1728B52AA6E4}">
-                <adec:decorative xmlns:adec="http://schemas.microsoft.com/office/drawing/2017/decorative" xmlns="" val="1"/>
+                <adec:decorative xmlns:adec="http://schemas.microsoft.com/office/drawing/2017/decorative" val="1"/>
               </a:ext>
             </a:extLst>
           </p:cNvPr>
@@ -7936,7 +7979,7 @@
                 <a16:creationId xmlns:a16="http://schemas.microsoft.com/office/drawing/2014/main" id="{5A59F003-E00A-43F9-91DC-CC54E3B87466}"/>
               </a:ext>
               <a:ext uri="{C183D7F6-B498-43B3-948B-1728B52AA6E4}">
-                <adec:decorative xmlns:adec="http://schemas.microsoft.com/office/drawing/2017/decorative" xmlns="" val="1"/>
+                <adec:decorative xmlns:adec="http://schemas.microsoft.com/office/drawing/2017/decorative" val="1"/>
               </a:ext>
             </a:extLst>
           </p:cNvPr>
@@ -8043,7 +8086,7 @@
                 <a16:creationId xmlns:a16="http://schemas.microsoft.com/office/drawing/2014/main" id="{D74A4382-E3AD-430A-9A1F-DFA3E0E77A7D}"/>
               </a:ext>
               <a:ext uri="{C183D7F6-B498-43B3-948B-1728B52AA6E4}">
-                <adec:decorative xmlns:adec="http://schemas.microsoft.com/office/drawing/2017/decorative" xmlns="" val="1"/>
+                <adec:decorative xmlns:adec="http://schemas.microsoft.com/office/drawing/2017/decorative" val="1"/>
               </a:ext>
             </a:extLst>
           </p:cNvPr>
@@ -8359,10 +8402,9 @@
           <a:lstStyle/>
           <a:p>
             <a:r>
-              <a:rPr lang="pt-PT" dirty="0" smtClean="0"/>
+              <a:rPr lang="pt-PT" dirty="0"/>
               <a:t>Qualidades</a:t>
             </a:r>
-            <a:endParaRPr lang="pt-PT" dirty="0"/>
           </a:p>
         </p:txBody>
       </p:sp>
@@ -8382,36 +8424,27 @@
           <a:lstStyle/>
           <a:p>
             <a:r>
-              <a:rPr lang="pt-PT" dirty="0" smtClean="0"/>
+              <a:rPr lang="pt-PT" dirty="0"/>
               <a:t>Acessibilidade através de qualquer plataforma via Browser, sem a necessidade de instalação.</a:t>
             </a:r>
           </a:p>
           <a:p>
             <a:r>
               <a:rPr lang="pt-PT" dirty="0"/>
-              <a:t>C</a:t>
+              <a:t>Comunicação rápida e eficaz entre o staff e o cliente.</a:t>
             </a:r>
+          </a:p>
+          <a:p>
             <a:r>
-              <a:rPr lang="pt-PT" dirty="0" smtClean="0"/>
-              <a:t>omunicação rápida e eficaz entre o staff e o cliente.</a:t>
-            </a:r>
-          </a:p>
-          <a:p>
-            <a:r>
-              <a:rPr lang="pt-PT" dirty="0" smtClean="0"/>
+              <a:rPr lang="pt-PT" dirty="0"/>
               <a:t>Acesso do utilizador aos seus dados e notificações correspondentes.</a:t>
             </a:r>
           </a:p>
           <a:p>
             <a:r>
               <a:rPr lang="pt-PT" dirty="0"/>
-              <a:t>Suporte de vários métodos de pagamento</a:t>
+              <a:t>Suporte de vários métodos de pagamento.</a:t>
             </a:r>
-            <a:r>
-              <a:rPr lang="pt-PT" dirty="0" smtClean="0"/>
-              <a:t>.</a:t>
-            </a:r>
-            <a:endParaRPr lang="pt-PT" dirty="0"/>
           </a:p>
         </p:txBody>
       </p:sp>
@@ -8448,6 +8481,9 @@
   <p:clrMapOvr>
     <a:masterClrMapping/>
   </p:clrMapOvr>
+  <p:transition spd="slow">
+    <p:push dir="u"/>
+  </p:transition>
 </p:sld>
 </file>
 
@@ -8484,10 +8520,9 @@
           <a:lstStyle/>
           <a:p>
             <a:r>
-              <a:rPr lang="pt-PT" dirty="0" smtClean="0"/>
+              <a:rPr lang="pt-PT" dirty="0"/>
               <a:t>Restrições</a:t>
             </a:r>
-            <a:endParaRPr lang="pt-PT" dirty="0"/>
           </a:p>
         </p:txBody>
       </p:sp>
@@ -8507,25 +8542,25 @@
           <a:lstStyle/>
           <a:p>
             <a:r>
-              <a:rPr lang="pt-PT" dirty="0" smtClean="0"/>
+              <a:rPr lang="pt-PT" dirty="0"/>
               <a:t>Suporte de várias sessões de utilizadores em simultâneo sem afetar negativamente o desempenho.</a:t>
             </a:r>
           </a:p>
           <a:p>
             <a:r>
-              <a:rPr lang="pt-PT" dirty="0" smtClean="0"/>
+              <a:rPr lang="pt-PT" dirty="0"/>
               <a:t>Armazenamento seguro e disponibilização dos dados dos utilizadores.</a:t>
             </a:r>
           </a:p>
           <a:p>
             <a:r>
-              <a:rPr lang="pt-PT" dirty="0" smtClean="0"/>
+              <a:rPr lang="pt-PT" dirty="0"/>
               <a:t>Compatibilidade com diversos tamanhos de ecrã.</a:t>
             </a:r>
           </a:p>
           <a:p>
             <a:r>
-              <a:rPr lang="pt-PT" dirty="0" smtClean="0"/>
+              <a:rPr lang="pt-PT" dirty="0"/>
               <a:t>Adaptação a diferentes tipos de utilizador e interatividade com estes.</a:t>
             </a:r>
           </a:p>
@@ -8564,6 +8599,9 @@
   <p:clrMapOvr>
     <a:masterClrMapping/>
   </p:clrMapOvr>
+  <p:transition spd="slow">
+    <p:push dir="u"/>
+  </p:transition>
 </p:sld>
 </file>
 
@@ -8600,7 +8638,7 @@
                 <a16:creationId xmlns:a16="http://schemas.microsoft.com/office/drawing/2014/main" id="{139AB947-785D-482B-A71B-C1C825A20DC4}"/>
               </a:ext>
               <a:ext uri="{C183D7F6-B498-43B3-948B-1728B52AA6E4}">
-                <adec:decorative xmlns:adec="http://schemas.microsoft.com/office/drawing/2017/decorative" xmlns="" val="1"/>
+                <adec:decorative xmlns:adec="http://schemas.microsoft.com/office/drawing/2017/decorative" val="1"/>
               </a:ext>
             </a:extLst>
           </p:cNvPr>
@@ -8660,7 +8698,7 @@
                 <a16:creationId xmlns:a16="http://schemas.microsoft.com/office/drawing/2014/main" id="{468A839C-B241-4F23-9A1D-CBCAFE6F5068}"/>
               </a:ext>
               <a:ext uri="{C183D7F6-B498-43B3-948B-1728B52AA6E4}">
-                <adec:decorative xmlns:adec="http://schemas.microsoft.com/office/drawing/2017/decorative" xmlns="" val="1"/>
+                <adec:decorative xmlns:adec="http://schemas.microsoft.com/office/drawing/2017/decorative" val="1"/>
               </a:ext>
             </a:extLst>
           </p:cNvPr>
@@ -8835,7 +8873,7 @@
                 <a16:creationId xmlns:a16="http://schemas.microsoft.com/office/drawing/2014/main" id="{AF68CAD5-0452-48EC-94D8-91ED8F5EB7D8}"/>
               </a:ext>
               <a:ext uri="{C183D7F6-B498-43B3-948B-1728B52AA6E4}">
-                <adec:decorative xmlns:adec="http://schemas.microsoft.com/office/drawing/2017/decorative" xmlns="" val="1"/>
+                <adec:decorative xmlns:adec="http://schemas.microsoft.com/office/drawing/2017/decorative" val="1"/>
               </a:ext>
             </a:extLst>
           </p:cNvPr>
@@ -9019,14 +9057,9 @@
           <a:lstStyle/>
           <a:p>
             <a:r>
-              <a:rPr lang="pt-PT" sz="3400" dirty="0" smtClean="0"/>
-              <a:t>Framework</a:t>
+              <a:rPr lang="pt-PT" sz="3400" dirty="0"/>
+              <a:t>Framework Utilizadas</a:t>
             </a:r>
-            <a:r>
-              <a:rPr lang="pt-PT" sz="3400" dirty="0" smtClean="0"/>
-              <a:t> Utilizadas</a:t>
-            </a:r>
-            <a:endParaRPr lang="pt-PT" sz="3400" dirty="0"/>
           </a:p>
         </p:txBody>
       </p:sp>
@@ -9038,7 +9071,7 @@
                 <a16:creationId xmlns:a16="http://schemas.microsoft.com/office/drawing/2014/main" id="{F89F292F-513F-4E95-9E51-6B736F17BDDD}"/>
               </a:ext>
               <a:ext uri="{C183D7F6-B498-43B3-948B-1728B52AA6E4}">
-                <adec:decorative xmlns:adec="http://schemas.microsoft.com/office/drawing/2017/decorative" xmlns="" val="1"/>
+                <adec:decorative xmlns:adec="http://schemas.microsoft.com/office/drawing/2017/decorative" val="1"/>
               </a:ext>
             </a:extLst>
           </p:cNvPr>
@@ -9130,7 +9163,7 @@
                 <a16:creationId xmlns:a16="http://schemas.microsoft.com/office/drawing/2014/main" id="{13A52E0E-6908-496E-BB67-DDBF1EEC3B7B}"/>
               </a:ext>
               <a:ext uri="{C183D7F6-B498-43B3-948B-1728B52AA6E4}">
-                <adec:decorative xmlns:adec="http://schemas.microsoft.com/office/drawing/2017/decorative" xmlns="" val="1"/>
+                <adec:decorative xmlns:adec="http://schemas.microsoft.com/office/drawing/2017/decorative" val="1"/>
               </a:ext>
             </a:extLst>
           </p:cNvPr>
@@ -9442,101 +9475,6 @@
 <file path=ppt/slides/slide6.xml><?xml version="1.0" encoding="utf-8"?>
 <p:sld xmlns:a="http://schemas.openxmlformats.org/drawingml/2006/main" xmlns:r="http://schemas.openxmlformats.org/officeDocument/2006/relationships" xmlns:p="http://schemas.openxmlformats.org/presentationml/2006/main">
   <p:cSld>
-    <p:spTree>
-      <p:nvGrpSpPr>
-        <p:cNvPr id="1" name=""/>
-        <p:cNvGrpSpPr/>
-        <p:nvPr/>
-      </p:nvGrpSpPr>
-      <p:grpSpPr>
-        <a:xfrm>
-          <a:off x="0" y="0"/>
-          <a:ext cx="0" cy="0"/>
-          <a:chOff x="0" y="0"/>
-          <a:chExt cx="0" cy="0"/>
-        </a:xfrm>
-      </p:grpSpPr>
-      <p:sp>
-        <p:nvSpPr>
-          <p:cNvPr id="2" name="Título 1"/>
-          <p:cNvSpPr>
-            <a:spLocks noGrp="1"/>
-          </p:cNvSpPr>
-          <p:nvPr>
-            <p:ph type="title"/>
-          </p:nvPr>
-        </p:nvSpPr>
-        <p:spPr/>
-        <p:txBody>
-          <a:bodyPr/>
-          <a:lstStyle/>
-          <a:p>
-            <a:r>
-              <a:rPr lang="pt-PT" dirty="0" smtClean="0"/>
-              <a:t>Progresso na implementação</a:t>
-            </a:r>
-            <a:endParaRPr lang="pt-PT" dirty="0"/>
-          </a:p>
-        </p:txBody>
-      </p:sp>
-      <p:sp>
-        <p:nvSpPr>
-          <p:cNvPr id="3" name="Marcador de Posição de Conteúdo 2"/>
-          <p:cNvSpPr>
-            <a:spLocks noGrp="1"/>
-          </p:cNvSpPr>
-          <p:nvPr>
-            <p:ph idx="1"/>
-          </p:nvPr>
-        </p:nvSpPr>
-        <p:spPr/>
-        <p:txBody>
-          <a:bodyPr/>
-          <a:lstStyle/>
-          <a:p>
-            <a:endParaRPr lang="pt-PT"/>
-          </a:p>
-        </p:txBody>
-      </p:sp>
-      <p:sp>
-        <p:nvSpPr>
-          <p:cNvPr id="4" name="Marcador de Posição do Número do Diapositivo 3"/>
-          <p:cNvSpPr>
-            <a:spLocks noGrp="1"/>
-          </p:cNvSpPr>
-          <p:nvPr>
-            <p:ph type="sldNum" sz="quarter" idx="12"/>
-          </p:nvPr>
-        </p:nvSpPr>
-        <p:spPr/>
-        <p:txBody>
-          <a:bodyPr/>
-          <a:lstStyle/>
-          <a:p>
-            <a:fld id="{B2DC25EE-239B-4C5F-AAD1-255A7D5F1EE2}" type="slidenum">
-              <a:rPr lang="en-US" smtClean="0"/>
-              <a:t>6</a:t>
-            </a:fld>
-            <a:endParaRPr lang="en-US"/>
-          </a:p>
-        </p:txBody>
-      </p:sp>
-    </p:spTree>
-    <p:extLst>
-      <p:ext uri="{BB962C8B-B14F-4D97-AF65-F5344CB8AC3E}">
-        <p14:creationId xmlns:p14="http://schemas.microsoft.com/office/powerpoint/2010/main" val="770813551"/>
-      </p:ext>
-    </p:extLst>
-  </p:cSld>
-  <p:clrMapOvr>
-    <a:masterClrMapping/>
-  </p:clrMapOvr>
-</p:sld>
-</file>
-
-<file path=ppt/slides/slide7.xml><?xml version="1.0" encoding="utf-8"?>
-<p:sld xmlns:a="http://schemas.openxmlformats.org/drawingml/2006/main" xmlns:r="http://schemas.openxmlformats.org/officeDocument/2006/relationships" xmlns:p="http://schemas.openxmlformats.org/presentationml/2006/main">
-  <p:cSld>
     <p:bg>
       <p:bgPr>
         <a:solidFill>
@@ -9567,7 +9505,7 @@
                 <a16:creationId xmlns:a16="http://schemas.microsoft.com/office/drawing/2014/main" id="{5DCB5928-DC7D-4612-9922-441966E15627}"/>
               </a:ext>
               <a:ext uri="{C183D7F6-B498-43B3-948B-1728B52AA6E4}">
-                <adec:decorative xmlns:adec="http://schemas.microsoft.com/office/drawing/2017/decorative" xmlns="" val="1"/>
+                <adec:decorative xmlns:adec="http://schemas.microsoft.com/office/drawing/2017/decorative" val="1"/>
               </a:ext>
             </a:extLst>
           </p:cNvPr>
@@ -9663,7 +9601,7 @@
                 <a16:creationId xmlns:a16="http://schemas.microsoft.com/office/drawing/2014/main" id="{682C1161-1736-45EC-99B7-33F3CAE9D517}"/>
               </a:ext>
               <a:ext uri="{C183D7F6-B498-43B3-948B-1728B52AA6E4}">
-                <adec:decorative xmlns:adec="http://schemas.microsoft.com/office/drawing/2017/decorative" xmlns="" val="1"/>
+                <adec:decorative xmlns:adec="http://schemas.microsoft.com/office/drawing/2017/decorative" val="1"/>
               </a:ext>
             </a:extLst>
           </p:cNvPr>
@@ -9838,7 +9776,7 @@
                 <a16:creationId xmlns:a16="http://schemas.microsoft.com/office/drawing/2014/main" id="{84D4DDB8-B68F-45B0-9F62-C4279996F672}"/>
               </a:ext>
               <a:ext uri="{C183D7F6-B498-43B3-948B-1728B52AA6E4}">
-                <adec:decorative xmlns:adec="http://schemas.microsoft.com/office/drawing/2017/decorative" xmlns="" val="1"/>
+                <adec:decorative xmlns:adec="http://schemas.microsoft.com/office/drawing/2017/decorative" val="1"/>
               </a:ext>
             </a:extLst>
           </p:cNvPr>
@@ -10048,7 +9986,7 @@
                 <a16:creationId xmlns:a16="http://schemas.microsoft.com/office/drawing/2014/main" id="{AF2F604E-43BE-4DC3-B983-E071523364F8}"/>
               </a:ext>
               <a:ext uri="{C183D7F6-B498-43B3-948B-1728B52AA6E4}">
-                <adec:decorative xmlns:adec="http://schemas.microsoft.com/office/drawing/2017/decorative" xmlns="" val="1"/>
+                <adec:decorative xmlns:adec="http://schemas.microsoft.com/office/drawing/2017/decorative" val="1"/>
               </a:ext>
             </a:extLst>
           </p:cNvPr>
@@ -10140,7 +10078,7 @@
                 <a16:creationId xmlns:a16="http://schemas.microsoft.com/office/drawing/2014/main" id="{08C9B587-E65E-4B52-B37C-ABEBB6E87928}"/>
               </a:ext>
               <a:ext uri="{C183D7F6-B498-43B3-948B-1728B52AA6E4}">
-                <adec:decorative xmlns:adec="http://schemas.microsoft.com/office/drawing/2017/decorative" xmlns="" val="1"/>
+                <adec:decorative xmlns:adec="http://schemas.microsoft.com/office/drawing/2017/decorative" val="1"/>
               </a:ext>
             </a:extLst>
           </p:cNvPr>
@@ -10280,10 +10218,9 @@
           <a:lstStyle/>
           <a:p>
             <a:r>
-              <a:rPr lang="pt-PT" dirty="0" smtClean="0"/>
+              <a:rPr lang="pt-PT" u="sng" dirty="0"/>
               <a:t>Demonstração do protótipo</a:t>
             </a:r>
-            <a:endParaRPr lang="pt-PT" dirty="0"/>
           </a:p>
         </p:txBody>
       </p:sp>

--- a/apresentações/Apresentação3.pptx
+++ b/apresentações/Apresentação3.pptx
@@ -7063,7 +7063,7 @@
                 <a16:creationId xmlns:a16="http://schemas.microsoft.com/office/drawing/2014/main" id="{5DCB5928-DC7D-4612-9922-441966E15627}"/>
               </a:ext>
               <a:ext uri="{C183D7F6-B498-43B3-948B-1728B52AA6E4}">
-                <adec:decorative xmlns:adec="http://schemas.microsoft.com/office/drawing/2017/decorative" val="1"/>
+                <adec:decorative xmlns:adec="http://schemas.microsoft.com/office/drawing/2017/decorative" xmlns="" val="1"/>
               </a:ext>
             </a:extLst>
           </p:cNvPr>
@@ -7159,7 +7159,7 @@
                 <a16:creationId xmlns:a16="http://schemas.microsoft.com/office/drawing/2014/main" id="{682C1161-1736-45EC-99B7-33F3CAE9D517}"/>
               </a:ext>
               <a:ext uri="{C183D7F6-B498-43B3-948B-1728B52AA6E4}">
-                <adec:decorative xmlns:adec="http://schemas.microsoft.com/office/drawing/2017/decorative" val="1"/>
+                <adec:decorative xmlns:adec="http://schemas.microsoft.com/office/drawing/2017/decorative" xmlns="" val="1"/>
               </a:ext>
             </a:extLst>
           </p:cNvPr>
@@ -7334,7 +7334,7 @@
                 <a16:creationId xmlns:a16="http://schemas.microsoft.com/office/drawing/2014/main" id="{84D4DDB8-B68F-45B0-9F62-C4279996F672}"/>
               </a:ext>
               <a:ext uri="{C183D7F6-B498-43B3-948B-1728B52AA6E4}">
-                <adec:decorative xmlns:adec="http://schemas.microsoft.com/office/drawing/2017/decorative" val="1"/>
+                <adec:decorative xmlns:adec="http://schemas.microsoft.com/office/drawing/2017/decorative" xmlns="" val="1"/>
               </a:ext>
             </a:extLst>
           </p:cNvPr>
@@ -7533,7 +7533,7 @@
                 <a16:creationId xmlns:a16="http://schemas.microsoft.com/office/drawing/2014/main" id="{AF2F604E-43BE-4DC3-B983-E071523364F8}"/>
               </a:ext>
               <a:ext uri="{C183D7F6-B498-43B3-948B-1728B52AA6E4}">
-                <adec:decorative xmlns:adec="http://schemas.microsoft.com/office/drawing/2017/decorative" val="1"/>
+                <adec:decorative xmlns:adec="http://schemas.microsoft.com/office/drawing/2017/decorative" xmlns="" val="1"/>
               </a:ext>
             </a:extLst>
           </p:cNvPr>
@@ -7625,7 +7625,7 @@
                 <a16:creationId xmlns:a16="http://schemas.microsoft.com/office/drawing/2014/main" id="{08C9B587-E65E-4B52-B37C-ABEBB6E87928}"/>
               </a:ext>
               <a:ext uri="{C183D7F6-B498-43B3-948B-1728B52AA6E4}">
-                <adec:decorative xmlns:adec="http://schemas.microsoft.com/office/drawing/2017/decorative" val="1"/>
+                <adec:decorative xmlns:adec="http://schemas.microsoft.com/office/drawing/2017/decorative" xmlns="" val="1"/>
               </a:ext>
             </a:extLst>
           </p:cNvPr>
@@ -7755,6 +7755,13 @@
   <p:transition spd="slow">
     <p:push dir="u"/>
   </p:transition>
+  <p:timing>
+    <p:tnLst>
+      <p:par>
+        <p:cTn id="1" dur="indefinite" restart="never" nodeType="tmRoot"/>
+      </p:par>
+    </p:tnLst>
+  </p:timing>
 </p:sld>
 </file>
 
@@ -7791,7 +7798,7 @@
                 <a16:creationId xmlns:a16="http://schemas.microsoft.com/office/drawing/2014/main" id="{8D06CE56-3881-4ADA-8CEF-D18B02C242A3}"/>
               </a:ext>
               <a:ext uri="{C183D7F6-B498-43B3-948B-1728B52AA6E4}">
-                <adec:decorative xmlns:adec="http://schemas.microsoft.com/office/drawing/2017/decorative" val="1"/>
+                <adec:decorative xmlns:adec="http://schemas.microsoft.com/office/drawing/2017/decorative" xmlns="" val="1"/>
               </a:ext>
             </a:extLst>
           </p:cNvPr>
@@ -7883,7 +7890,7 @@
                 <a16:creationId xmlns:a16="http://schemas.microsoft.com/office/drawing/2014/main" id="{79F3C543-62EC-4433-9C93-A2CD8764E9B4}"/>
               </a:ext>
               <a:ext uri="{C183D7F6-B498-43B3-948B-1728B52AA6E4}">
-                <adec:decorative xmlns:adec="http://schemas.microsoft.com/office/drawing/2017/decorative" val="1"/>
+                <adec:decorative xmlns:adec="http://schemas.microsoft.com/office/drawing/2017/decorative" xmlns="" val="1"/>
               </a:ext>
             </a:extLst>
           </p:cNvPr>
@@ -7979,7 +7986,7 @@
                 <a16:creationId xmlns:a16="http://schemas.microsoft.com/office/drawing/2014/main" id="{5A59F003-E00A-43F9-91DC-CC54E3B87466}"/>
               </a:ext>
               <a:ext uri="{C183D7F6-B498-43B3-948B-1728B52AA6E4}">
-                <adec:decorative xmlns:adec="http://schemas.microsoft.com/office/drawing/2017/decorative" val="1"/>
+                <adec:decorative xmlns:adec="http://schemas.microsoft.com/office/drawing/2017/decorative" xmlns="" val="1"/>
               </a:ext>
             </a:extLst>
           </p:cNvPr>
@@ -8086,7 +8093,7 @@
                 <a16:creationId xmlns:a16="http://schemas.microsoft.com/office/drawing/2014/main" id="{D74A4382-E3AD-430A-9A1F-DFA3E0E77A7D}"/>
               </a:ext>
               <a:ext uri="{C183D7F6-B498-43B3-948B-1728B52AA6E4}">
-                <adec:decorative xmlns:adec="http://schemas.microsoft.com/office/drawing/2017/decorative" val="1"/>
+                <adec:decorative xmlns:adec="http://schemas.microsoft.com/office/drawing/2017/decorative" xmlns="" val="1"/>
               </a:ext>
             </a:extLst>
           </p:cNvPr>
@@ -8484,6 +8491,13 @@
   <p:transition spd="slow">
     <p:push dir="u"/>
   </p:transition>
+  <p:timing>
+    <p:tnLst>
+      <p:par>
+        <p:cTn id="1" dur="indefinite" restart="never" nodeType="tmRoot"/>
+      </p:par>
+    </p:tnLst>
+  </p:timing>
 </p:sld>
 </file>
 
@@ -8561,8 +8575,24 @@
           <a:p>
             <a:r>
               <a:rPr lang="pt-PT" dirty="0"/>
-              <a:t>Adaptação a diferentes tipos de utilizador e interatividade com estes.</a:t>
+              <a:t>Adaptação a diferentes tipos </a:t>
             </a:r>
+            <a:r>
+              <a:rPr lang="pt-PT"/>
+              <a:t>de </a:t>
+            </a:r>
+            <a:r>
+              <a:rPr lang="pt-PT" smtClean="0"/>
+              <a:t>utilizador.</a:t>
+            </a:r>
+            <a:endParaRPr lang="pt-PT" dirty="0" smtClean="0"/>
+          </a:p>
+          <a:p>
+            <a:r>
+              <a:rPr lang="pt-PT" dirty="0" smtClean="0"/>
+              <a:t>Interatividade sem atrasos com o utilizador.</a:t>
+            </a:r>
+            <a:endParaRPr lang="pt-PT" dirty="0"/>
           </a:p>
         </p:txBody>
       </p:sp>
@@ -8602,6 +8632,13 @@
   <p:transition spd="slow">
     <p:push dir="u"/>
   </p:transition>
+  <p:timing>
+    <p:tnLst>
+      <p:par>
+        <p:cTn id="1" dur="indefinite" restart="never" nodeType="tmRoot"/>
+      </p:par>
+    </p:tnLst>
+  </p:timing>
 </p:sld>
 </file>
 
@@ -8638,7 +8675,7 @@
                 <a16:creationId xmlns:a16="http://schemas.microsoft.com/office/drawing/2014/main" id="{139AB947-785D-482B-A71B-C1C825A20DC4}"/>
               </a:ext>
               <a:ext uri="{C183D7F6-B498-43B3-948B-1728B52AA6E4}">
-                <adec:decorative xmlns:adec="http://schemas.microsoft.com/office/drawing/2017/decorative" val="1"/>
+                <adec:decorative xmlns:adec="http://schemas.microsoft.com/office/drawing/2017/decorative" xmlns="" val="1"/>
               </a:ext>
             </a:extLst>
           </p:cNvPr>
@@ -8698,7 +8735,7 @@
                 <a16:creationId xmlns:a16="http://schemas.microsoft.com/office/drawing/2014/main" id="{468A839C-B241-4F23-9A1D-CBCAFE6F5068}"/>
               </a:ext>
               <a:ext uri="{C183D7F6-B498-43B3-948B-1728B52AA6E4}">
-                <adec:decorative xmlns:adec="http://schemas.microsoft.com/office/drawing/2017/decorative" val="1"/>
+                <adec:decorative xmlns:adec="http://schemas.microsoft.com/office/drawing/2017/decorative" xmlns="" val="1"/>
               </a:ext>
             </a:extLst>
           </p:cNvPr>
@@ -8873,7 +8910,7 @@
                 <a16:creationId xmlns:a16="http://schemas.microsoft.com/office/drawing/2014/main" id="{AF68CAD5-0452-48EC-94D8-91ED8F5EB7D8}"/>
               </a:ext>
               <a:ext uri="{C183D7F6-B498-43B3-948B-1728B52AA6E4}">
-                <adec:decorative xmlns:adec="http://schemas.microsoft.com/office/drawing/2017/decorative" val="1"/>
+                <adec:decorative xmlns:adec="http://schemas.microsoft.com/office/drawing/2017/decorative" xmlns="" val="1"/>
               </a:ext>
             </a:extLst>
           </p:cNvPr>
@@ -9057,9 +9094,10 @@
           <a:lstStyle/>
           <a:p>
             <a:r>
-              <a:rPr lang="pt-PT" sz="3400" dirty="0"/>
-              <a:t>Framework Utilizadas</a:t>
+              <a:rPr lang="pt-PT" sz="3400" dirty="0" smtClean="0"/>
+              <a:t>Modelo Tecnológico</a:t>
             </a:r>
+            <a:endParaRPr lang="pt-PT" sz="3400" dirty="0"/>
           </a:p>
         </p:txBody>
       </p:sp>
@@ -9071,7 +9109,7 @@
                 <a16:creationId xmlns:a16="http://schemas.microsoft.com/office/drawing/2014/main" id="{F89F292F-513F-4E95-9E51-6B736F17BDDD}"/>
               </a:ext>
               <a:ext uri="{C183D7F6-B498-43B3-948B-1728B52AA6E4}">
-                <adec:decorative xmlns:adec="http://schemas.microsoft.com/office/drawing/2017/decorative" val="1"/>
+                <adec:decorative xmlns:adec="http://schemas.microsoft.com/office/drawing/2017/decorative" xmlns="" val="1"/>
               </a:ext>
             </a:extLst>
           </p:cNvPr>
@@ -9163,7 +9201,7 @@
                 <a16:creationId xmlns:a16="http://schemas.microsoft.com/office/drawing/2014/main" id="{13A52E0E-6908-496E-BB67-DDBF1EEC3B7B}"/>
               </a:ext>
               <a:ext uri="{C183D7F6-B498-43B3-948B-1728B52AA6E4}">
-                <adec:decorative xmlns:adec="http://schemas.microsoft.com/office/drawing/2017/decorative" val="1"/>
+                <adec:decorative xmlns:adec="http://schemas.microsoft.com/office/drawing/2017/decorative" xmlns="" val="1"/>
               </a:ext>
             </a:extLst>
           </p:cNvPr>
@@ -9469,6 +9507,13 @@
   <p:transition spd="slow">
     <p:push dir="u"/>
   </p:transition>
+  <p:timing>
+    <p:tnLst>
+      <p:par>
+        <p:cTn id="1" dur="indefinite" restart="never" nodeType="tmRoot"/>
+      </p:par>
+    </p:tnLst>
+  </p:timing>
 </p:sld>
 </file>
 
@@ -9505,7 +9550,7 @@
                 <a16:creationId xmlns:a16="http://schemas.microsoft.com/office/drawing/2014/main" id="{5DCB5928-DC7D-4612-9922-441966E15627}"/>
               </a:ext>
               <a:ext uri="{C183D7F6-B498-43B3-948B-1728B52AA6E4}">
-                <adec:decorative xmlns:adec="http://schemas.microsoft.com/office/drawing/2017/decorative" val="1"/>
+                <adec:decorative xmlns:adec="http://schemas.microsoft.com/office/drawing/2017/decorative" xmlns="" val="1"/>
               </a:ext>
             </a:extLst>
           </p:cNvPr>
@@ -9601,7 +9646,7 @@
                 <a16:creationId xmlns:a16="http://schemas.microsoft.com/office/drawing/2014/main" id="{682C1161-1736-45EC-99B7-33F3CAE9D517}"/>
               </a:ext>
               <a:ext uri="{C183D7F6-B498-43B3-948B-1728B52AA6E4}">
-                <adec:decorative xmlns:adec="http://schemas.microsoft.com/office/drawing/2017/decorative" val="1"/>
+                <adec:decorative xmlns:adec="http://schemas.microsoft.com/office/drawing/2017/decorative" xmlns="" val="1"/>
               </a:ext>
             </a:extLst>
           </p:cNvPr>
@@ -9776,7 +9821,7 @@
                 <a16:creationId xmlns:a16="http://schemas.microsoft.com/office/drawing/2014/main" id="{84D4DDB8-B68F-45B0-9F62-C4279996F672}"/>
               </a:ext>
               <a:ext uri="{C183D7F6-B498-43B3-948B-1728B52AA6E4}">
-                <adec:decorative xmlns:adec="http://schemas.microsoft.com/office/drawing/2017/decorative" val="1"/>
+                <adec:decorative xmlns:adec="http://schemas.microsoft.com/office/drawing/2017/decorative" xmlns="" val="1"/>
               </a:ext>
             </a:extLst>
           </p:cNvPr>
@@ -9986,7 +10031,7 @@
                 <a16:creationId xmlns:a16="http://schemas.microsoft.com/office/drawing/2014/main" id="{AF2F604E-43BE-4DC3-B983-E071523364F8}"/>
               </a:ext>
               <a:ext uri="{C183D7F6-B498-43B3-948B-1728B52AA6E4}">
-                <adec:decorative xmlns:adec="http://schemas.microsoft.com/office/drawing/2017/decorative" val="1"/>
+                <adec:decorative xmlns:adec="http://schemas.microsoft.com/office/drawing/2017/decorative" xmlns="" val="1"/>
               </a:ext>
             </a:extLst>
           </p:cNvPr>
@@ -10078,7 +10123,7 @@
                 <a16:creationId xmlns:a16="http://schemas.microsoft.com/office/drawing/2014/main" id="{08C9B587-E65E-4B52-B37C-ABEBB6E87928}"/>
               </a:ext>
               <a:ext uri="{C183D7F6-B498-43B3-948B-1728B52AA6E4}">
-                <adec:decorative xmlns:adec="http://schemas.microsoft.com/office/drawing/2017/decorative" val="1"/>
+                <adec:decorative xmlns:adec="http://schemas.microsoft.com/office/drawing/2017/decorative" xmlns="" val="1"/>
               </a:ext>
             </a:extLst>
           </p:cNvPr>
@@ -10237,6 +10282,13 @@
   <p:transition spd="slow">
     <p:push dir="u"/>
   </p:transition>
+  <p:timing>
+    <p:tnLst>
+      <p:par>
+        <p:cTn id="1" dur="indefinite" restart="never" nodeType="tmRoot"/>
+      </p:par>
+    </p:tnLst>
+  </p:timing>
 </p:sld>
 </file>
 
